--- a/Documentation/FAAR.pptx
+++ b/Documentation/FAAR.pptx
@@ -110,6 +110,11 @@
       </a:defRPr>
     </a:lvl9pPr>
   </p:defaultTextStyle>
+  <p:extLst>
+    <p:ext uri="{EFAFB233-063F-42B5-8137-9DF3F51BA10A}">
+      <p15:sldGuideLst xmlns:p15="http://schemas.microsoft.com/office/powerpoint/2012/main"/>
+    </p:ext>
+  </p:extLst>
 </p:presentation>
 </file>
 
@@ -7730,10 +7735,18 @@
           <a:bodyPr/>
           <a:lstStyle/>
           <a:p>
+            <a:pPr algn="ctr"/>
             <a:r>
               <a:rPr lang="en-US" dirty="0" smtClean="0"/>
               <a:t>FAAR</a:t>
             </a:r>
+            <a:br>
+              <a:rPr lang="en-US" dirty="0" smtClean="0"/>
+            </a:br>
+            <a:r>
+              <a:rPr lang="en-US" sz="3600" dirty="0" smtClean="0"/>
+              <a:t>We’ll Take You FAAR</a:t>
+            </a:r>
             <a:endParaRPr lang="en-US" dirty="0"/>
           </a:p>
         </p:txBody>
@@ -7748,12 +7761,40 @@
             <p:ph type="subTitle" idx="1"/>
           </p:nvPr>
         </p:nvSpPr>
-        <p:spPr/>
-        <p:txBody>
-          <a:bodyPr/>
+        <p:spPr>
+          <a:xfrm>
+            <a:off x="680322" y="4394039"/>
+            <a:ext cx="8144134" cy="1380685"/>
+          </a:xfrm>
+        </p:spPr>
+        <p:txBody>
+          <a:bodyPr>
+            <a:normAutofit fontScale="92500" lnSpcReduction="20000"/>
+          </a:bodyPr>
           <a:lstStyle/>
           <a:p>
-            <a:endParaRPr lang="en-US" dirty="0"/>
+            <a:r>
+              <a:rPr lang="en-US" dirty="0" smtClean="0"/>
+              <a:t>Fabian C.</a:t>
+            </a:r>
+          </a:p>
+          <a:p>
+            <a:r>
+              <a:rPr lang="en-US" dirty="0" smtClean="0"/>
+              <a:t>Aaron B.</a:t>
+            </a:r>
+          </a:p>
+          <a:p>
+            <a:r>
+              <a:rPr lang="en-US" dirty="0" smtClean="0"/>
+              <a:t>Austin B.</a:t>
+            </a:r>
+          </a:p>
+          <a:p>
+            <a:r>
+              <a:rPr lang="en-US" dirty="0" smtClean="0"/>
+              <a:t>Roberto M.</a:t>
+            </a:r>
           </a:p>
         </p:txBody>
       </p:sp>
@@ -7804,7 +7845,15 @@
           <a:p>
             <a:r>
               <a:rPr lang="en-US" dirty="0" smtClean="0"/>
-              <a:t>What we did</a:t>
+              <a:t>What </a:t>
+            </a:r>
+            <a:r>
+              <a:rPr lang="en-US" dirty="0" smtClean="0"/>
+              <a:t>We D</a:t>
+            </a:r>
+            <a:r>
+              <a:rPr lang="en-US" dirty="0" smtClean="0"/>
+              <a:t>id</a:t>
             </a:r>
             <a:endParaRPr lang="en-US" dirty="0"/>
           </a:p>
@@ -7820,40 +7869,77 @@
             <p:ph idx="1"/>
           </p:nvPr>
         </p:nvSpPr>
-        <p:spPr/>
-        <p:txBody>
-          <a:bodyPr/>
+        <p:spPr>
+          <a:xfrm>
+            <a:off x="680321" y="2336872"/>
+            <a:ext cx="9613861" cy="3759127"/>
+          </a:xfrm>
+        </p:spPr>
+        <p:txBody>
+          <a:bodyPr>
+            <a:normAutofit/>
+          </a:bodyPr>
           <a:lstStyle/>
           <a:p>
             <a:r>
-              <a:rPr lang="en-US" dirty="0" smtClean="0"/>
-              <a:t>Made a website</a:t>
-            </a:r>
-          </a:p>
-          <a:p>
-            <a:r>
-              <a:rPr lang="en-US" dirty="0" smtClean="0"/>
-              <a:t>Used GitHub</a:t>
-            </a:r>
-          </a:p>
-          <a:p>
-            <a:r>
-              <a:rPr lang="en-US" dirty="0" smtClean="0"/>
-              <a:t>Servlet and Database to populate dynamic webpage</a:t>
-            </a:r>
-          </a:p>
-          <a:p>
-            <a:r>
-              <a:rPr lang="en-US" dirty="0" smtClean="0"/>
-              <a:t>Servlet to validate credit card numbers</a:t>
-            </a:r>
-          </a:p>
-          <a:p>
-            <a:r>
-              <a:rPr lang="en-US" dirty="0" smtClean="0"/>
+              <a:rPr lang="en-US" sz="2800" dirty="0" smtClean="0"/>
+              <a:t>Created and designed an e-commerce website that incorporated the following:</a:t>
+            </a:r>
+          </a:p>
+          <a:p>
+            <a:pPr lvl="1"/>
+            <a:r>
+              <a:rPr lang="en-US" sz="2400" dirty="0"/>
+              <a:t>MVC Architecture</a:t>
+            </a:r>
+          </a:p>
+          <a:p>
+            <a:pPr lvl="1"/>
+            <a:r>
+              <a:rPr lang="en-US" sz="2400" dirty="0"/>
+              <a:t>Servlets and </a:t>
+            </a:r>
+            <a:r>
+              <a:rPr lang="en-US" sz="2400" dirty="0" smtClean="0"/>
+              <a:t>database </a:t>
+            </a:r>
+            <a:r>
+              <a:rPr lang="en-US" sz="2400" dirty="0" smtClean="0"/>
+              <a:t>to populate dynamic </a:t>
+            </a:r>
+            <a:r>
+              <a:rPr lang="en-US" sz="2400" dirty="0" smtClean="0"/>
+              <a:t>webpage</a:t>
+            </a:r>
+          </a:p>
+          <a:p>
+            <a:pPr lvl="1"/>
+            <a:r>
+              <a:rPr lang="en-US" sz="2400" dirty="0" smtClean="0"/>
+              <a:t>A se</a:t>
+            </a:r>
+            <a:r>
+              <a:rPr lang="en-US" sz="2400" dirty="0" smtClean="0"/>
+              <a:t>rvlet </a:t>
+            </a:r>
+            <a:r>
+              <a:rPr lang="en-US" sz="2400" dirty="0" smtClean="0"/>
+              <a:t>to validate credit card numbers</a:t>
+            </a:r>
+          </a:p>
+          <a:p>
+            <a:pPr lvl="1"/>
+            <a:r>
+              <a:rPr lang="en-US" sz="2400" dirty="0" smtClean="0"/>
               <a:t>Non persistent cookies to store cart information while in session. </a:t>
             </a:r>
-            <a:endParaRPr lang="en-US" dirty="0"/>
+          </a:p>
+          <a:p>
+            <a:r>
+              <a:rPr lang="en-US" sz="2800" dirty="0" smtClean="0"/>
+              <a:t>Integrated GitHub in our group dynamics</a:t>
+            </a:r>
+            <a:endParaRPr lang="en-US" sz="2800" dirty="0" smtClean="0"/>
           </a:p>
         </p:txBody>
       </p:sp>
@@ -7927,25 +8013,41 @@
           <a:p>
             <a:r>
               <a:rPr lang="en-US" dirty="0" smtClean="0"/>
-              <a:t>3 – Client Server Communications</a:t>
-            </a:r>
-          </a:p>
-          <a:p>
+              <a:t>Lab 3 </a:t>
+            </a:r>
             <a:r>
               <a:rPr lang="en-US" dirty="0" smtClean="0"/>
-              <a:t>4 – Database Communication</a:t>
+              <a:t>– Client Server Communications</a:t>
             </a:r>
           </a:p>
           <a:p>
             <a:r>
               <a:rPr lang="en-US" dirty="0" smtClean="0"/>
-              <a:t>7 - Cookies</a:t>
-            </a:r>
-          </a:p>
-          <a:p>
+              <a:t>Lab 4 </a:t>
+            </a:r>
             <a:r>
               <a:rPr lang="en-US" dirty="0" smtClean="0"/>
-              <a:t>9 – Checkout Cart</a:t>
+              <a:t>– Database Communication</a:t>
+            </a:r>
+          </a:p>
+          <a:p>
+            <a:r>
+              <a:rPr lang="en-US" dirty="0" smtClean="0"/>
+              <a:t>Lab 7 </a:t>
+            </a:r>
+            <a:r>
+              <a:rPr lang="en-US" dirty="0" smtClean="0"/>
+              <a:t>- Cookies</a:t>
+            </a:r>
+          </a:p>
+          <a:p>
+            <a:r>
+              <a:rPr lang="en-US" dirty="0" smtClean="0"/>
+              <a:t>Lab 9 </a:t>
+            </a:r>
+            <a:r>
+              <a:rPr lang="en-US" dirty="0" smtClean="0"/>
+              <a:t>– Checkout Cart</a:t>
             </a:r>
             <a:endParaRPr lang="en-US" dirty="0"/>
           </a:p>

--- a/Documentation/FAAR.pptx
+++ b/Documentation/FAAR.pptx
@@ -392,7 +392,7 @@
           <a:p>
             <a:fld id="{AF239A9A-B4B0-4B32-B8CD-2E25E95134C4}" type="datetimeFigureOut">
               <a:rPr lang="en-US" dirty="0"/>
-              <a:t>4/29/2017</a:t>
+              <a:t>4/30/2017</a:t>
             </a:fld>
             <a:endParaRPr lang="en-US" dirty="0"/>
           </a:p>
@@ -801,7 +801,7 @@
           <a:p>
             <a:fld id="{F25518A9-B687-4302-9395-2322403C6656}" type="datetimeFigureOut">
               <a:rPr lang="en-US" dirty="0"/>
-              <a:t>4/29/2017</a:t>
+              <a:t>4/30/2017</a:t>
             </a:fld>
             <a:endParaRPr lang="en-US" dirty="0"/>
           </a:p>
@@ -1132,7 +1132,7 @@
           <a:p>
             <a:fld id="{1A99A684-0CB7-41E9-A4DF-5D1C2CA5BF6F}" type="datetimeFigureOut">
               <a:rPr lang="en-US" dirty="0"/>
-              <a:t>4/29/2017</a:t>
+              <a:t>4/30/2017</a:t>
             </a:fld>
             <a:endParaRPr lang="en-US" dirty="0"/>
           </a:p>
@@ -1532,7 +1532,7 @@
           <a:p>
             <a:fld id="{FEDD7C35-9E19-4518-A4B2-3B09CD8CC756}" type="datetimeFigureOut">
               <a:rPr lang="en-US" dirty="0"/>
-              <a:t>4/29/2017</a:t>
+              <a:t>4/30/2017</a:t>
             </a:fld>
             <a:endParaRPr lang="en-US" dirty="0"/>
           </a:p>
@@ -2095,7 +2095,7 @@
           <a:p>
             <a:fld id="{26196DA8-8897-4DDF-BFB6-5D83863C837A}" type="datetimeFigureOut">
               <a:rPr lang="en-US" dirty="0"/>
-              <a:t>4/29/2017</a:t>
+              <a:t>4/30/2017</a:t>
             </a:fld>
             <a:endParaRPr lang="en-US" dirty="0"/>
           </a:p>
@@ -2771,7 +2771,7 @@
           <a:p>
             <a:fld id="{DCBBA708-C5F0-412D-90E2-1919F0D196AE}" type="datetimeFigureOut">
               <a:rPr lang="en-US" dirty="0"/>
-              <a:t>4/29/2017</a:t>
+              <a:t>4/30/2017</a:t>
             </a:fld>
             <a:endParaRPr lang="en-US" dirty="0"/>
           </a:p>
@@ -3679,7 +3679,7 @@
           <a:p>
             <a:fld id="{A9C8F8FA-EF43-4642-9368-3F4E33039BD9}" type="datetimeFigureOut">
               <a:rPr lang="en-US" dirty="0"/>
-              <a:t>4/29/2017</a:t>
+              <a:t>4/30/2017</a:t>
             </a:fld>
             <a:endParaRPr lang="en-US" dirty="0"/>
           </a:p>
@@ -3987,7 +3987,7 @@
           <a:p>
             <a:fld id="{6B61E721-B01C-4D5D-A3CA-2E5518383F10}" type="datetimeFigureOut">
               <a:rPr lang="en-US" dirty="0"/>
-              <a:t>4/29/2017</a:t>
+              <a:t>4/30/2017</a:t>
             </a:fld>
             <a:endParaRPr lang="en-US" dirty="0"/>
           </a:p>
@@ -4246,7 +4246,7 @@
           <a:p>
             <a:fld id="{6513FEF9-69D0-4F8C-A336-59491FBEDC47}" type="datetimeFigureOut">
               <a:rPr lang="en-US" dirty="0"/>
-              <a:t>4/29/2017</a:t>
+              <a:t>4/30/2017</a:t>
             </a:fld>
             <a:endParaRPr lang="en-US" dirty="0"/>
           </a:p>
@@ -4583,7 +4583,7 @@
           <a:p>
             <a:fld id="{A91E21DC-8981-44E6-BC8C-2BA8F673FFBB}" type="datetimeFigureOut">
               <a:rPr lang="en-US" dirty="0"/>
-              <a:t>4/29/2017</a:t>
+              <a:t>4/30/2017</a:t>
             </a:fld>
             <a:endParaRPr lang="en-US" dirty="0"/>
           </a:p>
@@ -4967,7 +4967,7 @@
           <a:p>
             <a:fld id="{AEB9C5D3-0140-4E75-8D7F-C0623D06DFD7}" type="datetimeFigureOut">
               <a:rPr lang="en-US" dirty="0"/>
-              <a:t>4/29/2017</a:t>
+              <a:t>4/30/2017</a:t>
             </a:fld>
             <a:endParaRPr lang="en-US" dirty="0"/>
           </a:p>
@@ -5338,7 +5338,7 @@
           <a:p>
             <a:fld id="{3A5666F9-5B40-48E0-8DFD-99EF944CDD22}" type="datetimeFigureOut">
               <a:rPr lang="en-US" dirty="0"/>
-              <a:t>4/29/2017</a:t>
+              <a:t>4/30/2017</a:t>
             </a:fld>
             <a:endParaRPr lang="en-US" dirty="0"/>
           </a:p>
@@ -5839,7 +5839,7 @@
           <a:p>
             <a:fld id="{2A698D6B-2C72-4E21-9893-A649C6E2A47D}" type="datetimeFigureOut">
               <a:rPr lang="en-US" dirty="0"/>
-              <a:t>4/29/2017</a:t>
+              <a:t>4/30/2017</a:t>
             </a:fld>
             <a:endParaRPr lang="en-US" dirty="0"/>
           </a:p>
@@ -6091,7 +6091,7 @@
           <a:p>
             <a:fld id="{C86811C9-A66C-49F0-970E-F7B68D9109A0}" type="datetimeFigureOut">
               <a:rPr lang="en-US" dirty="0"/>
-              <a:t>4/29/2017</a:t>
+              <a:t>4/30/2017</a:t>
             </a:fld>
             <a:endParaRPr lang="en-US" dirty="0"/>
           </a:p>
@@ -6249,7 +6249,7 @@
           <a:p>
             <a:fld id="{6C01AE78-96A2-4A23-B183-3B6DB4374FE7}" type="datetimeFigureOut">
               <a:rPr lang="en-US" dirty="0"/>
-              <a:t>4/29/2017</a:t>
+              <a:t>4/30/2017</a:t>
             </a:fld>
             <a:endParaRPr lang="en-US" dirty="0"/>
           </a:p>
@@ -6634,7 +6634,7 @@
           <a:p>
             <a:fld id="{73AE0757-B101-4811-9189-10EB2F458E2D}" type="datetimeFigureOut">
               <a:rPr lang="en-US" dirty="0"/>
-              <a:t>4/29/2017</a:t>
+              <a:t>4/30/2017</a:t>
             </a:fld>
             <a:endParaRPr lang="en-US" dirty="0"/>
           </a:p>
@@ -7038,7 +7038,7 @@
           <a:p>
             <a:fld id="{7EBDC078-589F-40E3-816C-EE21D62B5BBA}" type="datetimeFigureOut">
               <a:rPr lang="en-US" dirty="0"/>
-              <a:t>4/29/2017</a:t>
+              <a:t>4/30/2017</a:t>
             </a:fld>
             <a:endParaRPr lang="en-US" dirty="0"/>
           </a:p>
@@ -7277,7 +7277,7 @@
           <a:p>
             <a:fld id="{C7004436-CA73-4D53-89B4-2A5C7347BF2F}" type="datetimeFigureOut">
               <a:rPr lang="en-US" dirty="0"/>
-              <a:t>4/29/2017</a:t>
+              <a:t>4/30/2017</a:t>
             </a:fld>
             <a:endParaRPr lang="en-US" dirty="0"/>
           </a:p>
@@ -7845,15 +7845,7 @@
           <a:p>
             <a:r>
               <a:rPr lang="en-US" dirty="0" smtClean="0"/>
-              <a:t>What </a:t>
-            </a:r>
-            <a:r>
-              <a:rPr lang="en-US" dirty="0" smtClean="0"/>
-              <a:t>We D</a:t>
-            </a:r>
-            <a:r>
-              <a:rPr lang="en-US" dirty="0" smtClean="0"/>
-              <a:t>id</a:t>
+              <a:t>What We Did</a:t>
             </a:r>
             <a:endParaRPr lang="en-US" dirty="0"/>
           </a:p>
@@ -7901,30 +7893,14 @@
             </a:r>
             <a:r>
               <a:rPr lang="en-US" sz="2400" dirty="0" smtClean="0"/>
-              <a:t>database </a:t>
-            </a:r>
+              <a:t>database to populate dynamic webpage</a:t>
+            </a:r>
+          </a:p>
+          <a:p>
+            <a:pPr lvl="1"/>
             <a:r>
               <a:rPr lang="en-US" sz="2400" dirty="0" smtClean="0"/>
-              <a:t>to populate dynamic </a:t>
-            </a:r>
-            <a:r>
-              <a:rPr lang="en-US" sz="2400" dirty="0" smtClean="0"/>
-              <a:t>webpage</a:t>
-            </a:r>
-          </a:p>
-          <a:p>
-            <a:pPr lvl="1"/>
-            <a:r>
-              <a:rPr lang="en-US" sz="2400" dirty="0" smtClean="0"/>
-              <a:t>A se</a:t>
-            </a:r>
-            <a:r>
-              <a:rPr lang="en-US" sz="2400" dirty="0" smtClean="0"/>
-              <a:t>rvlet </a:t>
-            </a:r>
-            <a:r>
-              <a:rPr lang="en-US" sz="2400" dirty="0" smtClean="0"/>
-              <a:t>to validate credit card numbers</a:t>
+              <a:t>A servlet to validate credit card numbers</a:t>
             </a:r>
           </a:p>
           <a:p>
@@ -7939,7 +7915,6 @@
               <a:rPr lang="en-US" sz="2800" dirty="0" smtClean="0"/>
               <a:t>Integrated GitHub in our group dynamics</a:t>
             </a:r>
-            <a:endParaRPr lang="en-US" sz="2800" dirty="0" smtClean="0"/>
           </a:p>
         </p:txBody>
       </p:sp>
@@ -8013,41 +7988,25 @@
           <a:p>
             <a:r>
               <a:rPr lang="en-US" dirty="0" smtClean="0"/>
-              <a:t>Lab 3 </a:t>
-            </a:r>
+              <a:t>Lab 3 – Client Server Communications</a:t>
+            </a:r>
+          </a:p>
+          <a:p>
             <a:r>
               <a:rPr lang="en-US" dirty="0" smtClean="0"/>
-              <a:t>– Client Server Communications</a:t>
+              <a:t>Lab 4 – Database Communication</a:t>
             </a:r>
           </a:p>
           <a:p>
             <a:r>
               <a:rPr lang="en-US" dirty="0" smtClean="0"/>
-              <a:t>Lab 4 </a:t>
-            </a:r>
+              <a:t>Lab 7 - Cookies</a:t>
+            </a:r>
+          </a:p>
+          <a:p>
             <a:r>
               <a:rPr lang="en-US" dirty="0" smtClean="0"/>
-              <a:t>– Database Communication</a:t>
-            </a:r>
-          </a:p>
-          <a:p>
-            <a:r>
-              <a:rPr lang="en-US" dirty="0" smtClean="0"/>
-              <a:t>Lab 7 </a:t>
-            </a:r>
-            <a:r>
-              <a:rPr lang="en-US" dirty="0" smtClean="0"/>
-              <a:t>- Cookies</a:t>
-            </a:r>
-          </a:p>
-          <a:p>
-            <a:r>
-              <a:rPr lang="en-US" dirty="0" smtClean="0"/>
-              <a:t>Lab 9 </a:t>
-            </a:r>
-            <a:r>
-              <a:rPr lang="en-US" dirty="0" smtClean="0"/>
-              <a:t>– Checkout Cart</a:t>
+              <a:t>Lab 9 – Checkout Cart</a:t>
             </a:r>
             <a:endParaRPr lang="en-US" dirty="0"/>
           </a:p>
@@ -8123,15 +8082,15 @@
           <a:p>
             <a:r>
               <a:rPr lang="en-US" dirty="0" smtClean="0"/>
-              <a:t>HTML </a:t>
-            </a:r>
+              <a:t>Documentation</a:t>
+            </a:r>
+            <a:endParaRPr lang="en-US" dirty="0"/>
           </a:p>
           <a:p>
             <a:r>
               <a:rPr lang="en-US" dirty="0" smtClean="0"/>
-              <a:t>Documentation</a:t>
-            </a:r>
-            <a:endParaRPr lang="en-US" dirty="0"/>
+              <a:t>Initial GitHub Integration </a:t>
+            </a:r>
           </a:p>
         </p:txBody>
       </p:sp>
@@ -8211,16 +8170,27 @@
           <a:p>
             <a:r>
               <a:rPr lang="en-US" dirty="0" smtClean="0"/>
-              <a:t>Getting everything to work with </a:t>
-            </a:r>
-            <a:r>
-              <a:rPr lang="en-US" dirty="0" err="1" smtClean="0"/>
-              <a:t>eachother</a:t>
-            </a:r>
-            <a:r>
-              <a:rPr lang="en-US" dirty="0"/>
-              <a:t>.</a:t>
-            </a:r>
+              <a:t>Getting </a:t>
+            </a:r>
+            <a:r>
+              <a:rPr lang="en-US" dirty="0" smtClean="0"/>
+              <a:t>all code to integrate with each other</a:t>
+            </a:r>
+          </a:p>
+          <a:p>
+            <a:r>
+              <a:rPr lang="en-US" dirty="0" smtClean="0"/>
+              <a:t>Time constraints of the project</a:t>
+            </a:r>
+          </a:p>
+          <a:p>
+            <a:r>
+              <a:rPr lang="en-US" dirty="0" smtClean="0"/>
+              <a:t>Group meeting times</a:t>
+            </a:r>
+          </a:p>
+          <a:p>
+            <a:endParaRPr lang="en-US" dirty="0"/>
           </a:p>
         </p:txBody>
       </p:sp>

--- a/Documentation/FAAR.pptx
+++ b/Documentation/FAAR.pptx
@@ -392,7 +392,7 @@
           <a:p>
             <a:fld id="{AF239A9A-B4B0-4B32-B8CD-2E25E95134C4}" type="datetimeFigureOut">
               <a:rPr lang="en-US" dirty="0"/>
-              <a:t>4/30/2017</a:t>
+              <a:t>5/2/2017</a:t>
             </a:fld>
             <a:endParaRPr lang="en-US" dirty="0"/>
           </a:p>
@@ -801,7 +801,7 @@
           <a:p>
             <a:fld id="{F25518A9-B687-4302-9395-2322403C6656}" type="datetimeFigureOut">
               <a:rPr lang="en-US" dirty="0"/>
-              <a:t>4/30/2017</a:t>
+              <a:t>5/2/2017</a:t>
             </a:fld>
             <a:endParaRPr lang="en-US" dirty="0"/>
           </a:p>
@@ -1132,7 +1132,7 @@
           <a:p>
             <a:fld id="{1A99A684-0CB7-41E9-A4DF-5D1C2CA5BF6F}" type="datetimeFigureOut">
               <a:rPr lang="en-US" dirty="0"/>
-              <a:t>4/30/2017</a:t>
+              <a:t>5/2/2017</a:t>
             </a:fld>
             <a:endParaRPr lang="en-US" dirty="0"/>
           </a:p>
@@ -1532,7 +1532,7 @@
           <a:p>
             <a:fld id="{FEDD7C35-9E19-4518-A4B2-3B09CD8CC756}" type="datetimeFigureOut">
               <a:rPr lang="en-US" dirty="0"/>
-              <a:t>4/30/2017</a:t>
+              <a:t>5/2/2017</a:t>
             </a:fld>
             <a:endParaRPr lang="en-US" dirty="0"/>
           </a:p>
@@ -2095,7 +2095,7 @@
           <a:p>
             <a:fld id="{26196DA8-8897-4DDF-BFB6-5D83863C837A}" type="datetimeFigureOut">
               <a:rPr lang="en-US" dirty="0"/>
-              <a:t>4/30/2017</a:t>
+              <a:t>5/2/2017</a:t>
             </a:fld>
             <a:endParaRPr lang="en-US" dirty="0"/>
           </a:p>
@@ -2771,7 +2771,7 @@
           <a:p>
             <a:fld id="{DCBBA708-C5F0-412D-90E2-1919F0D196AE}" type="datetimeFigureOut">
               <a:rPr lang="en-US" dirty="0"/>
-              <a:t>4/30/2017</a:t>
+              <a:t>5/2/2017</a:t>
             </a:fld>
             <a:endParaRPr lang="en-US" dirty="0"/>
           </a:p>
@@ -3679,7 +3679,7 @@
           <a:p>
             <a:fld id="{A9C8F8FA-EF43-4642-9368-3F4E33039BD9}" type="datetimeFigureOut">
               <a:rPr lang="en-US" dirty="0"/>
-              <a:t>4/30/2017</a:t>
+              <a:t>5/2/2017</a:t>
             </a:fld>
             <a:endParaRPr lang="en-US" dirty="0"/>
           </a:p>
@@ -3987,7 +3987,7 @@
           <a:p>
             <a:fld id="{6B61E721-B01C-4D5D-A3CA-2E5518383F10}" type="datetimeFigureOut">
               <a:rPr lang="en-US" dirty="0"/>
-              <a:t>4/30/2017</a:t>
+              <a:t>5/2/2017</a:t>
             </a:fld>
             <a:endParaRPr lang="en-US" dirty="0"/>
           </a:p>
@@ -4246,7 +4246,7 @@
           <a:p>
             <a:fld id="{6513FEF9-69D0-4F8C-A336-59491FBEDC47}" type="datetimeFigureOut">
               <a:rPr lang="en-US" dirty="0"/>
-              <a:t>4/30/2017</a:t>
+              <a:t>5/2/2017</a:t>
             </a:fld>
             <a:endParaRPr lang="en-US" dirty="0"/>
           </a:p>
@@ -4583,7 +4583,7 @@
           <a:p>
             <a:fld id="{A91E21DC-8981-44E6-BC8C-2BA8F673FFBB}" type="datetimeFigureOut">
               <a:rPr lang="en-US" dirty="0"/>
-              <a:t>4/30/2017</a:t>
+              <a:t>5/2/2017</a:t>
             </a:fld>
             <a:endParaRPr lang="en-US" dirty="0"/>
           </a:p>
@@ -4967,7 +4967,7 @@
           <a:p>
             <a:fld id="{AEB9C5D3-0140-4E75-8D7F-C0623D06DFD7}" type="datetimeFigureOut">
               <a:rPr lang="en-US" dirty="0"/>
-              <a:t>4/30/2017</a:t>
+              <a:t>5/2/2017</a:t>
             </a:fld>
             <a:endParaRPr lang="en-US" dirty="0"/>
           </a:p>
@@ -5338,7 +5338,7 @@
           <a:p>
             <a:fld id="{3A5666F9-5B40-48E0-8DFD-99EF944CDD22}" type="datetimeFigureOut">
               <a:rPr lang="en-US" dirty="0"/>
-              <a:t>4/30/2017</a:t>
+              <a:t>5/2/2017</a:t>
             </a:fld>
             <a:endParaRPr lang="en-US" dirty="0"/>
           </a:p>
@@ -5839,7 +5839,7 @@
           <a:p>
             <a:fld id="{2A698D6B-2C72-4E21-9893-A649C6E2A47D}" type="datetimeFigureOut">
               <a:rPr lang="en-US" dirty="0"/>
-              <a:t>4/30/2017</a:t>
+              <a:t>5/2/2017</a:t>
             </a:fld>
             <a:endParaRPr lang="en-US" dirty="0"/>
           </a:p>
@@ -6091,7 +6091,7 @@
           <a:p>
             <a:fld id="{C86811C9-A66C-49F0-970E-F7B68D9109A0}" type="datetimeFigureOut">
               <a:rPr lang="en-US" dirty="0"/>
-              <a:t>4/30/2017</a:t>
+              <a:t>5/2/2017</a:t>
             </a:fld>
             <a:endParaRPr lang="en-US" dirty="0"/>
           </a:p>
@@ -6249,7 +6249,7 @@
           <a:p>
             <a:fld id="{6C01AE78-96A2-4A23-B183-3B6DB4374FE7}" type="datetimeFigureOut">
               <a:rPr lang="en-US" dirty="0"/>
-              <a:t>4/30/2017</a:t>
+              <a:t>5/2/2017</a:t>
             </a:fld>
             <a:endParaRPr lang="en-US" dirty="0"/>
           </a:p>
@@ -6634,7 +6634,7 @@
           <a:p>
             <a:fld id="{73AE0757-B101-4811-9189-10EB2F458E2D}" type="datetimeFigureOut">
               <a:rPr lang="en-US" dirty="0"/>
-              <a:t>4/30/2017</a:t>
+              <a:t>5/2/2017</a:t>
             </a:fld>
             <a:endParaRPr lang="en-US" dirty="0"/>
           </a:p>
@@ -7038,7 +7038,7 @@
           <a:p>
             <a:fld id="{7EBDC078-589F-40E3-816C-EE21D62B5BBA}" type="datetimeFigureOut">
               <a:rPr lang="en-US" dirty="0"/>
-              <a:t>4/30/2017</a:t>
+              <a:t>5/2/2017</a:t>
             </a:fld>
             <a:endParaRPr lang="en-US" dirty="0"/>
           </a:p>
@@ -7277,7 +7277,7 @@
           <a:p>
             <a:fld id="{C7004436-CA73-4D53-89B4-2A5C7347BF2F}" type="datetimeFigureOut">
               <a:rPr lang="en-US" dirty="0"/>
-              <a:t>4/30/2017</a:t>
+              <a:t>5/2/2017</a:t>
             </a:fld>
             <a:endParaRPr lang="en-US" dirty="0"/>
           </a:p>
@@ -7808,6 +7808,13 @@
   <p:clrMapOvr>
     <a:masterClrMapping/>
   </p:clrMapOvr>
+  <p:timing>
+    <p:tnLst>
+      <p:par>
+        <p:cTn id="1" dur="indefinite" restart="never" nodeType="tmRoot"/>
+      </p:par>
+    </p:tnLst>
+  </p:timing>
 </p:sld>
 </file>
 
@@ -7928,6 +7935,13 @@
   <p:clrMapOvr>
     <a:masterClrMapping/>
   </p:clrMapOvr>
+  <p:timing>
+    <p:tnLst>
+      <p:par>
+        <p:cTn id="1" dur="indefinite" restart="never" nodeType="tmRoot"/>
+      </p:par>
+    </p:tnLst>
+  </p:timing>
 </p:sld>
 </file>
 
@@ -7965,7 +7979,11 @@
           <a:p>
             <a:r>
               <a:rPr lang="en-US" dirty="0" smtClean="0"/>
-              <a:t>What labs </a:t>
+              <a:t>What </a:t>
+            </a:r>
+            <a:r>
+              <a:rPr lang="en-US" dirty="0" smtClean="0"/>
+              <a:t>Labs We Used</a:t>
             </a:r>
             <a:endParaRPr lang="en-US" dirty="0"/>
           </a:p>
@@ -8022,6 +8040,13 @@
   <p:clrMapOvr>
     <a:masterClrMapping/>
   </p:clrMapOvr>
+  <p:timing>
+    <p:tnLst>
+      <p:par>
+        <p:cTn id="1" dur="indefinite" restart="never" nodeType="tmRoot"/>
+      </p:par>
+    </p:tnLst>
+  </p:timing>
 </p:sld>
 </file>
 
@@ -8059,7 +8084,19 @@
           <a:p>
             <a:r>
               <a:rPr lang="en-US" dirty="0" smtClean="0"/>
-              <a:t>What was easy </a:t>
+              <a:t>What </a:t>
+            </a:r>
+            <a:r>
+              <a:rPr lang="en-US" dirty="0" smtClean="0"/>
+              <a:t>Was </a:t>
+            </a:r>
+            <a:r>
+              <a:rPr lang="en-US" dirty="0"/>
+              <a:t>E</a:t>
+            </a:r>
+            <a:r>
+              <a:rPr lang="en-US" dirty="0" smtClean="0"/>
+              <a:t>asy </a:t>
             </a:r>
             <a:endParaRPr lang="en-US" dirty="0"/>
           </a:p>
@@ -8104,6 +8141,13 @@
   <p:clrMapOvr>
     <a:masterClrMapping/>
   </p:clrMapOvr>
+  <p:timing>
+    <p:tnLst>
+      <p:par>
+        <p:cTn id="1" dur="indefinite" restart="never" nodeType="tmRoot"/>
+      </p:par>
+    </p:tnLst>
+  </p:timing>
 </p:sld>
 </file>
 
@@ -8140,8 +8184,20 @@
           <a:lstStyle/>
           <a:p>
             <a:r>
-              <a:rPr lang="en-US" dirty="0" smtClean="0"/>
-              <a:t>What was hard</a:t>
+              <a:rPr lang="en-US" smtClean="0"/>
+              <a:t>What </a:t>
+            </a:r>
+            <a:r>
+              <a:rPr lang="en-US" smtClean="0"/>
+              <a:t>Was </a:t>
+            </a:r>
+            <a:r>
+              <a:rPr lang="en-US" dirty="0"/>
+              <a:t>H</a:t>
+            </a:r>
+            <a:r>
+              <a:rPr lang="en-US" smtClean="0"/>
+              <a:t>ard</a:t>
             </a:r>
             <a:endParaRPr lang="en-US" dirty="0"/>
           </a:p>
@@ -8170,11 +8226,7 @@
           <a:p>
             <a:r>
               <a:rPr lang="en-US" dirty="0" smtClean="0"/>
-              <a:t>Getting </a:t>
-            </a:r>
-            <a:r>
-              <a:rPr lang="en-US" dirty="0" smtClean="0"/>
-              <a:t>all code to integrate with each other</a:t>
+              <a:t>Getting all code to integrate with each other</a:t>
             </a:r>
           </a:p>
           <a:p>
@@ -8204,6 +8256,13 @@
   <p:clrMapOvr>
     <a:masterClrMapping/>
   </p:clrMapOvr>
+  <p:timing>
+    <p:tnLst>
+      <p:par>
+        <p:cTn id="1" dur="indefinite" restart="never" nodeType="tmRoot"/>
+      </p:par>
+    </p:tnLst>
+  </p:timing>
 </p:sld>
 </file>
 
@@ -8276,6 +8335,13 @@
   <p:clrMapOvr>
     <a:masterClrMapping/>
   </p:clrMapOvr>
+  <p:timing>
+    <p:tnLst>
+      <p:par>
+        <p:cTn id="1" dur="indefinite" restart="never" nodeType="tmRoot"/>
+      </p:par>
+    </p:tnLst>
+  </p:timing>
 </p:sld>
 </file>
 
@@ -8348,6 +8414,13 @@
   <p:clrMapOvr>
     <a:masterClrMapping/>
   </p:clrMapOvr>
+  <p:timing>
+    <p:tnLst>
+      <p:par>
+        <p:cTn id="1" dur="indefinite" restart="never" nodeType="tmRoot"/>
+      </p:par>
+    </p:tnLst>
+  </p:timing>
 </p:sld>
 </file>
 

--- a/Documentation/FAAR.pptx
+++ b/Documentation/FAAR.pptx
@@ -10,8 +10,7 @@
     <p:sldId id="258" r:id="rId4"/>
     <p:sldId id="259" r:id="rId5"/>
     <p:sldId id="260" r:id="rId6"/>
-    <p:sldId id="261" r:id="rId7"/>
-    <p:sldId id="262" r:id="rId8"/>
+    <p:sldId id="262" r:id="rId7"/>
   </p:sldIdLst>
   <p:sldSz cx="12192000" cy="6858000"/>
   <p:notesSz cx="6858000" cy="9144000"/>
@@ -112,7 +111,7 @@
   </p:defaultTextStyle>
   <p:extLst>
     <p:ext uri="{EFAFB233-063F-42B5-8137-9DF3F51BA10A}">
-      <p15:sldGuideLst xmlns:p15="http://schemas.microsoft.com/office/powerpoint/2012/main"/>
+      <p15:sldGuideLst xmlns:p15="http://schemas.microsoft.com/office/powerpoint/2012/main" xmlns=""/>
     </p:ext>
   </p:extLst>
 </p:presentation>
@@ -147,7 +146,7 @@
           <a:blip r:embed="rId2">
             <a:extLst>
               <a:ext uri="{28A0092B-C50C-407E-A947-70E740481C1C}">
-                <a14:useLocalDpi xmlns:a14="http://schemas.microsoft.com/office/drawing/2010/main" val="0"/>
+                <a14:useLocalDpi xmlns:a14="http://schemas.microsoft.com/office/drawing/2010/main" xmlns="" val="0"/>
               </a:ext>
             </a:extLst>
           </a:blip>
@@ -177,7 +176,7 @@
           <a:blip r:embed="rId3">
             <a:extLst>
               <a:ext uri="{28A0092B-C50C-407E-A947-70E740481C1C}">
-                <a14:useLocalDpi xmlns:a14="http://schemas.microsoft.com/office/drawing/2010/main" val="0"/>
+                <a14:useLocalDpi xmlns:a14="http://schemas.microsoft.com/office/drawing/2010/main" xmlns="" val="0"/>
               </a:ext>
             </a:extLst>
           </a:blip>
@@ -392,6 +391,7 @@
           <a:p>
             <a:fld id="{AF239A9A-B4B0-4B32-B8CD-2E25E95134C4}" type="datetimeFigureOut">
               <a:rPr lang="en-US" dirty="0"/>
+              <a:pPr/>
               <a:t>5/2/2017</a:t>
             </a:fld>
             <a:endParaRPr lang="en-US" dirty="0"/>
@@ -439,6 +439,7 @@
           <a:p>
             <a:fld id="{6D22F896-40B5-4ADD-8801-0D06FADFA095}" type="slidenum">
               <a:rPr lang="en-US" dirty="0"/>
+              <a:pPr/>
               <a:t>‹#›</a:t>
             </a:fld>
             <a:endParaRPr lang="en-US" dirty="0"/>
@@ -482,7 +483,7 @@
           <a:blip r:embed="rId2">
             <a:extLst>
               <a:ext uri="{28A0092B-C50C-407E-A947-70E740481C1C}">
-                <a14:useLocalDpi xmlns:a14="http://schemas.microsoft.com/office/drawing/2010/main" val="0"/>
+                <a14:useLocalDpi xmlns:a14="http://schemas.microsoft.com/office/drawing/2010/main" xmlns="" val="0"/>
               </a:ext>
             </a:extLst>
           </a:blip>
@@ -512,7 +513,7 @@
           <a:blip r:embed="rId3">
             <a:extLst>
               <a:ext uri="{28A0092B-C50C-407E-A947-70E740481C1C}">
-                <a14:useLocalDpi xmlns:a14="http://schemas.microsoft.com/office/drawing/2010/main" val="0"/>
+                <a14:useLocalDpi xmlns:a14="http://schemas.microsoft.com/office/drawing/2010/main" xmlns="" val="0"/>
               </a:ext>
             </a:extLst>
           </a:blip>
@@ -801,6 +802,7 @@
           <a:p>
             <a:fld id="{F25518A9-B687-4302-9395-2322403C6656}" type="datetimeFigureOut">
               <a:rPr lang="en-US" dirty="0"/>
+              <a:pPr/>
               <a:t>5/2/2017</a:t>
             </a:fld>
             <a:endParaRPr lang="en-US" dirty="0"/>
@@ -848,6 +850,7 @@
           <a:p>
             <a:fld id="{6D22F896-40B5-4ADD-8801-0D06FADFA095}" type="slidenum">
               <a:rPr lang="en-US" dirty="0"/>
+              <a:pPr/>
               <a:t>‹#›</a:t>
             </a:fld>
             <a:endParaRPr lang="en-US" dirty="0"/>
@@ -891,7 +894,7 @@
           <a:blip r:embed="rId2">
             <a:extLst>
               <a:ext uri="{28A0092B-C50C-407E-A947-70E740481C1C}">
-                <a14:useLocalDpi xmlns:a14="http://schemas.microsoft.com/office/drawing/2010/main" val="0"/>
+                <a14:useLocalDpi xmlns:a14="http://schemas.microsoft.com/office/drawing/2010/main" xmlns="" val="0"/>
               </a:ext>
             </a:extLst>
           </a:blip>
@@ -921,7 +924,7 @@
           <a:blip r:embed="rId3">
             <a:extLst>
               <a:ext uri="{28A0092B-C50C-407E-A947-70E740481C1C}">
-                <a14:useLocalDpi xmlns:a14="http://schemas.microsoft.com/office/drawing/2010/main" val="0"/>
+                <a14:useLocalDpi xmlns:a14="http://schemas.microsoft.com/office/drawing/2010/main" xmlns="" val="0"/>
               </a:ext>
             </a:extLst>
           </a:blip>
@@ -1132,6 +1135,7 @@
           <a:p>
             <a:fld id="{1A99A684-0CB7-41E9-A4DF-5D1C2CA5BF6F}" type="datetimeFigureOut">
               <a:rPr lang="en-US" dirty="0"/>
+              <a:pPr/>
               <a:t>5/2/2017</a:t>
             </a:fld>
             <a:endParaRPr lang="en-US" dirty="0"/>
@@ -1179,6 +1183,7 @@
           <a:p>
             <a:fld id="{6D22F896-40B5-4ADD-8801-0D06FADFA095}" type="slidenum">
               <a:rPr lang="en-US" dirty="0"/>
+              <a:pPr/>
               <a:t>‹#›</a:t>
             </a:fld>
             <a:endParaRPr lang="en-US" dirty="0"/>
@@ -1222,7 +1227,7 @@
           <a:blip r:embed="rId2">
             <a:extLst>
               <a:ext uri="{28A0092B-C50C-407E-A947-70E740481C1C}">
-                <a14:useLocalDpi xmlns:a14="http://schemas.microsoft.com/office/drawing/2010/main" val="0"/>
+                <a14:useLocalDpi xmlns:a14="http://schemas.microsoft.com/office/drawing/2010/main" xmlns="" val="0"/>
               </a:ext>
             </a:extLst>
           </a:blip>
@@ -1252,7 +1257,7 @@
           <a:blip r:embed="rId3">
             <a:extLst>
               <a:ext uri="{28A0092B-C50C-407E-A947-70E740481C1C}">
-                <a14:useLocalDpi xmlns:a14="http://schemas.microsoft.com/office/drawing/2010/main" val="0"/>
+                <a14:useLocalDpi xmlns:a14="http://schemas.microsoft.com/office/drawing/2010/main" xmlns="" val="0"/>
               </a:ext>
             </a:extLst>
           </a:blip>
@@ -1532,6 +1537,7 @@
           <a:p>
             <a:fld id="{FEDD7C35-9E19-4518-A4B2-3B09CD8CC756}" type="datetimeFigureOut">
               <a:rPr lang="en-US" dirty="0"/>
+              <a:pPr/>
               <a:t>5/2/2017</a:t>
             </a:fld>
             <a:endParaRPr lang="en-US" dirty="0"/>
@@ -1579,6 +1585,7 @@
           <a:p>
             <a:fld id="{6D22F896-40B5-4ADD-8801-0D06FADFA095}" type="slidenum">
               <a:rPr lang="en-US" dirty="0"/>
+              <a:pPr/>
               <a:t>‹#›</a:t>
             </a:fld>
             <a:endParaRPr lang="en-US" dirty="0"/>
@@ -1854,7 +1861,7 @@
           <a:blip r:embed="rId2">
             <a:extLst>
               <a:ext uri="{28A0092B-C50C-407E-A947-70E740481C1C}">
-                <a14:useLocalDpi xmlns:a14="http://schemas.microsoft.com/office/drawing/2010/main" val="0"/>
+                <a14:useLocalDpi xmlns:a14="http://schemas.microsoft.com/office/drawing/2010/main" xmlns="" val="0"/>
               </a:ext>
             </a:extLst>
           </a:blip>
@@ -1884,7 +1891,7 @@
           <a:blip r:embed="rId3">
             <a:extLst>
               <a:ext uri="{28A0092B-C50C-407E-A947-70E740481C1C}">
-                <a14:useLocalDpi xmlns:a14="http://schemas.microsoft.com/office/drawing/2010/main" val="0"/>
+                <a14:useLocalDpi xmlns:a14="http://schemas.microsoft.com/office/drawing/2010/main" xmlns="" val="0"/>
               </a:ext>
             </a:extLst>
           </a:blip>
@@ -2095,6 +2102,7 @@
           <a:p>
             <a:fld id="{26196DA8-8897-4DDF-BFB6-5D83863C837A}" type="datetimeFigureOut">
               <a:rPr lang="en-US" dirty="0"/>
+              <a:pPr/>
               <a:t>5/2/2017</a:t>
             </a:fld>
             <a:endParaRPr lang="en-US" dirty="0"/>
@@ -2142,6 +2150,7 @@
           <a:p>
             <a:fld id="{6D22F896-40B5-4ADD-8801-0D06FADFA095}" type="slidenum">
               <a:rPr lang="en-US" dirty="0"/>
+              <a:pPr/>
               <a:t>‹#›</a:t>
             </a:fld>
             <a:endParaRPr lang="en-US" dirty="0"/>
@@ -2185,7 +2194,7 @@
           <a:blip r:embed="rId2">
             <a:extLst>
               <a:ext uri="{28A0092B-C50C-407E-A947-70E740481C1C}">
-                <a14:useLocalDpi xmlns:a14="http://schemas.microsoft.com/office/drawing/2010/main" val="0"/>
+                <a14:useLocalDpi xmlns:a14="http://schemas.microsoft.com/office/drawing/2010/main" xmlns="" val="0"/>
               </a:ext>
             </a:extLst>
           </a:blip>
@@ -2215,7 +2224,7 @@
           <a:blip r:embed="rId3">
             <a:extLst>
               <a:ext uri="{28A0092B-C50C-407E-A947-70E740481C1C}">
-                <a14:useLocalDpi xmlns:a14="http://schemas.microsoft.com/office/drawing/2010/main" val="0"/>
+                <a14:useLocalDpi xmlns:a14="http://schemas.microsoft.com/office/drawing/2010/main" xmlns="" val="0"/>
               </a:ext>
             </a:extLst>
           </a:blip>
@@ -2771,6 +2780,7 @@
           <a:p>
             <a:fld id="{DCBBA708-C5F0-412D-90E2-1919F0D196AE}" type="datetimeFigureOut">
               <a:rPr lang="en-US" dirty="0"/>
+              <a:pPr/>
               <a:t>5/2/2017</a:t>
             </a:fld>
             <a:endParaRPr lang="en-US" dirty="0"/>
@@ -2813,6 +2823,7 @@
           <a:p>
             <a:fld id="{6D22F896-40B5-4ADD-8801-0D06FADFA095}" type="slidenum">
               <a:rPr lang="en-US" dirty="0"/>
+              <a:pPr/>
               <a:t>‹#›</a:t>
             </a:fld>
             <a:endParaRPr lang="en-US" dirty="0"/>
@@ -2856,7 +2867,7 @@
           <a:blip r:embed="rId2">
             <a:extLst>
               <a:ext uri="{28A0092B-C50C-407E-A947-70E740481C1C}">
-                <a14:useLocalDpi xmlns:a14="http://schemas.microsoft.com/office/drawing/2010/main" val="0"/>
+                <a14:useLocalDpi xmlns:a14="http://schemas.microsoft.com/office/drawing/2010/main" xmlns="" val="0"/>
               </a:ext>
             </a:extLst>
           </a:blip>
@@ -2886,7 +2897,7 @@
           <a:blip r:embed="rId3">
             <a:extLst>
               <a:ext uri="{28A0092B-C50C-407E-A947-70E740481C1C}">
-                <a14:useLocalDpi xmlns:a14="http://schemas.microsoft.com/office/drawing/2010/main" val="0"/>
+                <a14:useLocalDpi xmlns:a14="http://schemas.microsoft.com/office/drawing/2010/main" xmlns="" val="0"/>
               </a:ext>
             </a:extLst>
           </a:blip>
@@ -3679,6 +3690,7 @@
           <a:p>
             <a:fld id="{A9C8F8FA-EF43-4642-9368-3F4E33039BD9}" type="datetimeFigureOut">
               <a:rPr lang="en-US" dirty="0"/>
+              <a:pPr/>
               <a:t>5/2/2017</a:t>
             </a:fld>
             <a:endParaRPr lang="en-US" dirty="0"/>
@@ -3721,6 +3733,7 @@
           <a:p>
             <a:fld id="{6D22F896-40B5-4ADD-8801-0D06FADFA095}" type="slidenum">
               <a:rPr lang="en-US" dirty="0"/>
+              <a:pPr/>
               <a:t>‹#›</a:t>
             </a:fld>
             <a:endParaRPr lang="en-US" dirty="0"/>
@@ -3764,7 +3777,7 @@
           <a:blip r:embed="rId2">
             <a:extLst>
               <a:ext uri="{28A0092B-C50C-407E-A947-70E740481C1C}">
-                <a14:useLocalDpi xmlns:a14="http://schemas.microsoft.com/office/drawing/2010/main" val="0"/>
+                <a14:useLocalDpi xmlns:a14="http://schemas.microsoft.com/office/drawing/2010/main" xmlns="" val="0"/>
               </a:ext>
             </a:extLst>
           </a:blip>
@@ -3794,7 +3807,7 @@
           <a:blip r:embed="rId3">
             <a:extLst>
               <a:ext uri="{28A0092B-C50C-407E-A947-70E740481C1C}">
-                <a14:useLocalDpi xmlns:a14="http://schemas.microsoft.com/office/drawing/2010/main" val="0"/>
+                <a14:useLocalDpi xmlns:a14="http://schemas.microsoft.com/office/drawing/2010/main" xmlns="" val="0"/>
               </a:ext>
             </a:extLst>
           </a:blip>
@@ -3987,6 +4000,7 @@
           <a:p>
             <a:fld id="{6B61E721-B01C-4D5D-A3CA-2E5518383F10}" type="datetimeFigureOut">
               <a:rPr lang="en-US" dirty="0"/>
+              <a:pPr/>
               <a:t>5/2/2017</a:t>
             </a:fld>
             <a:endParaRPr lang="en-US" dirty="0"/>
@@ -4029,6 +4043,7 @@
           <a:p>
             <a:fld id="{6D22F896-40B5-4ADD-8801-0D06FADFA095}" type="slidenum">
               <a:rPr lang="en-US" dirty="0"/>
+              <a:pPr/>
               <a:t>‹#›</a:t>
             </a:fld>
             <a:endParaRPr lang="en-US" dirty="0"/>
@@ -4246,6 +4261,7 @@
           <a:p>
             <a:fld id="{6513FEF9-69D0-4F8C-A336-59491FBEDC47}" type="datetimeFigureOut">
               <a:rPr lang="en-US" dirty="0"/>
+              <a:pPr/>
               <a:t>5/2/2017</a:t>
             </a:fld>
             <a:endParaRPr lang="en-US" dirty="0"/>
@@ -4346,7 +4362,7 @@
           <a:blip r:embed="rId2">
             <a:extLst>
               <a:ext uri="{28A0092B-C50C-407E-A947-70E740481C1C}">
-                <a14:useLocalDpi xmlns:a14="http://schemas.microsoft.com/office/drawing/2010/main" val="0"/>
+                <a14:useLocalDpi xmlns:a14="http://schemas.microsoft.com/office/drawing/2010/main" xmlns="" val="0"/>
               </a:ext>
             </a:extLst>
           </a:blip>
@@ -4376,7 +4392,7 @@
           <a:blip r:embed="rId3">
             <a:extLst>
               <a:ext uri="{28A0092B-C50C-407E-A947-70E740481C1C}">
-                <a14:useLocalDpi xmlns:a14="http://schemas.microsoft.com/office/drawing/2010/main" val="0"/>
+                <a14:useLocalDpi xmlns:a14="http://schemas.microsoft.com/office/drawing/2010/main" xmlns="" val="0"/>
               </a:ext>
             </a:extLst>
           </a:blip>
@@ -4583,6 +4599,7 @@
           <a:p>
             <a:fld id="{A91E21DC-8981-44E6-BC8C-2BA8F673FFBB}" type="datetimeFigureOut">
               <a:rPr lang="en-US" dirty="0"/>
+              <a:pPr/>
               <a:t>5/2/2017</a:t>
             </a:fld>
             <a:endParaRPr lang="en-US" dirty="0"/>
@@ -4625,6 +4642,7 @@
           <a:p>
             <a:fld id="{6D22F896-40B5-4ADD-8801-0D06FADFA095}" type="slidenum">
               <a:rPr lang="en-US" dirty="0"/>
+              <a:pPr/>
               <a:t>‹#›</a:t>
             </a:fld>
             <a:endParaRPr lang="en-US" dirty="0"/>
@@ -4668,7 +4686,7 @@
           <a:blip r:embed="rId2">
             <a:extLst>
               <a:ext uri="{28A0092B-C50C-407E-A947-70E740481C1C}">
-                <a14:useLocalDpi xmlns:a14="http://schemas.microsoft.com/office/drawing/2010/main" val="0"/>
+                <a14:useLocalDpi xmlns:a14="http://schemas.microsoft.com/office/drawing/2010/main" xmlns="" val="0"/>
               </a:ext>
             </a:extLst>
           </a:blip>
@@ -4698,7 +4716,7 @@
           <a:blip r:embed="rId3">
             <a:extLst>
               <a:ext uri="{28A0092B-C50C-407E-A947-70E740481C1C}">
-                <a14:useLocalDpi xmlns:a14="http://schemas.microsoft.com/office/drawing/2010/main" val="0"/>
+                <a14:useLocalDpi xmlns:a14="http://schemas.microsoft.com/office/drawing/2010/main" xmlns="" val="0"/>
               </a:ext>
             </a:extLst>
           </a:blip>
@@ -4967,6 +4985,7 @@
           <a:p>
             <a:fld id="{AEB9C5D3-0140-4E75-8D7F-C0623D06DFD7}" type="datetimeFigureOut">
               <a:rPr lang="en-US" dirty="0"/>
+              <a:pPr/>
               <a:t>5/2/2017</a:t>
             </a:fld>
             <a:endParaRPr lang="en-US" dirty="0"/>
@@ -5014,6 +5033,7 @@
           <a:p>
             <a:fld id="{6D22F896-40B5-4ADD-8801-0D06FADFA095}" type="slidenum">
               <a:rPr lang="en-US" dirty="0"/>
+              <a:pPr/>
               <a:t>‹#›</a:t>
             </a:fld>
             <a:endParaRPr lang="en-US" dirty="0"/>
@@ -5057,7 +5077,7 @@
           <a:blip r:embed="rId2">
             <a:extLst>
               <a:ext uri="{28A0092B-C50C-407E-A947-70E740481C1C}">
-                <a14:useLocalDpi xmlns:a14="http://schemas.microsoft.com/office/drawing/2010/main" val="0"/>
+                <a14:useLocalDpi xmlns:a14="http://schemas.microsoft.com/office/drawing/2010/main" xmlns="" val="0"/>
               </a:ext>
             </a:extLst>
           </a:blip>
@@ -5087,7 +5107,7 @@
           <a:blip r:embed="rId3">
             <a:extLst>
               <a:ext uri="{28A0092B-C50C-407E-A947-70E740481C1C}">
-                <a14:useLocalDpi xmlns:a14="http://schemas.microsoft.com/office/drawing/2010/main" val="0"/>
+                <a14:useLocalDpi xmlns:a14="http://schemas.microsoft.com/office/drawing/2010/main" xmlns="" val="0"/>
               </a:ext>
             </a:extLst>
           </a:blip>
@@ -5338,6 +5358,7 @@
           <a:p>
             <a:fld id="{3A5666F9-5B40-48E0-8DFD-99EF944CDD22}" type="datetimeFigureOut">
               <a:rPr lang="en-US" dirty="0"/>
+              <a:pPr/>
               <a:t>5/2/2017</a:t>
             </a:fld>
             <a:endParaRPr lang="en-US" dirty="0"/>
@@ -5380,6 +5401,7 @@
           <a:p>
             <a:fld id="{6D22F896-40B5-4ADD-8801-0D06FADFA095}" type="slidenum">
               <a:rPr lang="en-US" dirty="0"/>
+              <a:pPr/>
               <a:t>‹#›</a:t>
             </a:fld>
             <a:endParaRPr lang="en-US" dirty="0"/>
@@ -5423,7 +5445,7 @@
           <a:blip r:embed="rId2">
             <a:extLst>
               <a:ext uri="{28A0092B-C50C-407E-A947-70E740481C1C}">
-                <a14:useLocalDpi xmlns:a14="http://schemas.microsoft.com/office/drawing/2010/main" val="0"/>
+                <a14:useLocalDpi xmlns:a14="http://schemas.microsoft.com/office/drawing/2010/main" xmlns="" val="0"/>
               </a:ext>
             </a:extLst>
           </a:blip>
@@ -5453,7 +5475,7 @@
           <a:blip r:embed="rId3">
             <a:extLst>
               <a:ext uri="{28A0092B-C50C-407E-A947-70E740481C1C}">
-                <a14:useLocalDpi xmlns:a14="http://schemas.microsoft.com/office/drawing/2010/main" val="0"/>
+                <a14:useLocalDpi xmlns:a14="http://schemas.microsoft.com/office/drawing/2010/main" xmlns="" val="0"/>
               </a:ext>
             </a:extLst>
           </a:blip>
@@ -5839,6 +5861,7 @@
           <a:p>
             <a:fld id="{2A698D6B-2C72-4E21-9893-A649C6E2A47D}" type="datetimeFigureOut">
               <a:rPr lang="en-US" dirty="0"/>
+              <a:pPr/>
               <a:t>5/2/2017</a:t>
             </a:fld>
             <a:endParaRPr lang="en-US" dirty="0"/>
@@ -5881,6 +5904,7 @@
           <a:p>
             <a:fld id="{6D22F896-40B5-4ADD-8801-0D06FADFA095}" type="slidenum">
               <a:rPr lang="en-US" dirty="0"/>
+              <a:pPr/>
               <a:t>‹#›</a:t>
             </a:fld>
             <a:endParaRPr lang="en-US" dirty="0"/>
@@ -5924,7 +5948,7 @@
           <a:blip r:embed="rId2">
             <a:extLst>
               <a:ext uri="{28A0092B-C50C-407E-A947-70E740481C1C}">
-                <a14:useLocalDpi xmlns:a14="http://schemas.microsoft.com/office/drawing/2010/main" val="0"/>
+                <a14:useLocalDpi xmlns:a14="http://schemas.microsoft.com/office/drawing/2010/main" xmlns="" val="0"/>
               </a:ext>
             </a:extLst>
           </a:blip>
@@ -5954,7 +5978,7 @@
           <a:blip r:embed="rId3">
             <a:extLst>
               <a:ext uri="{28A0092B-C50C-407E-A947-70E740481C1C}">
-                <a14:useLocalDpi xmlns:a14="http://schemas.microsoft.com/office/drawing/2010/main" val="0"/>
+                <a14:useLocalDpi xmlns:a14="http://schemas.microsoft.com/office/drawing/2010/main" xmlns="" val="0"/>
               </a:ext>
             </a:extLst>
           </a:blip>
@@ -6091,6 +6115,7 @@
           <a:p>
             <a:fld id="{C86811C9-A66C-49F0-970E-F7B68D9109A0}" type="datetimeFigureOut">
               <a:rPr lang="en-US" dirty="0"/>
+              <a:pPr/>
               <a:t>5/2/2017</a:t>
             </a:fld>
             <a:endParaRPr lang="en-US" dirty="0"/>
@@ -6133,6 +6158,7 @@
           <a:p>
             <a:fld id="{6D22F896-40B5-4ADD-8801-0D06FADFA095}" type="slidenum">
               <a:rPr lang="en-US" dirty="0"/>
+              <a:pPr/>
               <a:t>‹#›</a:t>
             </a:fld>
             <a:endParaRPr lang="en-US" dirty="0"/>
@@ -6176,7 +6202,7 @@
           <a:blip r:embed="rId2">
             <a:extLst>
               <a:ext uri="{28A0092B-C50C-407E-A947-70E740481C1C}">
-                <a14:useLocalDpi xmlns:a14="http://schemas.microsoft.com/office/drawing/2010/main" val="0"/>
+                <a14:useLocalDpi xmlns:a14="http://schemas.microsoft.com/office/drawing/2010/main" xmlns="" val="0"/>
               </a:ext>
             </a:extLst>
           </a:blip>
@@ -6249,6 +6275,7 @@
           <a:p>
             <a:fld id="{6C01AE78-96A2-4A23-B183-3B6DB4374FE7}" type="datetimeFigureOut">
               <a:rPr lang="en-US" dirty="0"/>
+              <a:pPr/>
               <a:t>5/2/2017</a:t>
             </a:fld>
             <a:endParaRPr lang="en-US" dirty="0"/>
@@ -6291,6 +6318,7 @@
           <a:p>
             <a:fld id="{6D22F896-40B5-4ADD-8801-0D06FADFA095}" type="slidenum">
               <a:rPr lang="en-US" dirty="0"/>
+              <a:pPr/>
               <a:t>‹#›</a:t>
             </a:fld>
             <a:endParaRPr lang="en-US" dirty="0"/>
@@ -6334,7 +6362,7 @@
           <a:blip r:embed="rId2">
             <a:extLst>
               <a:ext uri="{28A0092B-C50C-407E-A947-70E740481C1C}">
-                <a14:useLocalDpi xmlns:a14="http://schemas.microsoft.com/office/drawing/2010/main" val="0"/>
+                <a14:useLocalDpi xmlns:a14="http://schemas.microsoft.com/office/drawing/2010/main" xmlns="" val="0"/>
               </a:ext>
             </a:extLst>
           </a:blip>
@@ -6364,7 +6392,7 @@
           <a:blip r:embed="rId3">
             <a:extLst>
               <a:ext uri="{28A0092B-C50C-407E-A947-70E740481C1C}">
-                <a14:useLocalDpi xmlns:a14="http://schemas.microsoft.com/office/drawing/2010/main" val="0"/>
+                <a14:useLocalDpi xmlns:a14="http://schemas.microsoft.com/office/drawing/2010/main" xmlns="" val="0"/>
               </a:ext>
             </a:extLst>
           </a:blip>
@@ -6634,6 +6662,7 @@
           <a:p>
             <a:fld id="{73AE0757-B101-4811-9189-10EB2F458E2D}" type="datetimeFigureOut">
               <a:rPr lang="en-US" dirty="0"/>
+              <a:pPr/>
               <a:t>5/2/2017</a:t>
             </a:fld>
             <a:endParaRPr lang="en-US" dirty="0"/>
@@ -6676,6 +6705,7 @@
           <a:p>
             <a:fld id="{6D22F896-40B5-4ADD-8801-0D06FADFA095}" type="slidenum">
               <a:rPr lang="en-US" dirty="0"/>
+              <a:pPr/>
               <a:t>‹#›</a:t>
             </a:fld>
             <a:endParaRPr lang="en-US" dirty="0"/>
@@ -6719,7 +6749,7 @@
           <a:blip r:embed="rId2">
             <a:extLst>
               <a:ext uri="{28A0092B-C50C-407E-A947-70E740481C1C}">
-                <a14:useLocalDpi xmlns:a14="http://schemas.microsoft.com/office/drawing/2010/main" val="0"/>
+                <a14:useLocalDpi xmlns:a14="http://schemas.microsoft.com/office/drawing/2010/main" xmlns="" val="0"/>
               </a:ext>
             </a:extLst>
           </a:blip>
@@ -6749,7 +6779,7 @@
           <a:blip r:embed="rId3">
             <a:extLst>
               <a:ext uri="{28A0092B-C50C-407E-A947-70E740481C1C}">
-                <a14:useLocalDpi xmlns:a14="http://schemas.microsoft.com/office/drawing/2010/main" val="0"/>
+                <a14:useLocalDpi xmlns:a14="http://schemas.microsoft.com/office/drawing/2010/main" xmlns="" val="0"/>
               </a:ext>
             </a:extLst>
           </a:blip>
@@ -7038,6 +7068,7 @@
           <a:p>
             <a:fld id="{7EBDC078-589F-40E3-816C-EE21D62B5BBA}" type="datetimeFigureOut">
               <a:rPr lang="en-US" dirty="0"/>
+              <a:pPr/>
               <a:t>5/2/2017</a:t>
             </a:fld>
             <a:endParaRPr lang="en-US" dirty="0"/>
@@ -7080,6 +7111,7 @@
           <a:p>
             <a:fld id="{6D22F896-40B5-4ADD-8801-0D06FADFA095}" type="slidenum">
               <a:rPr lang="en-US" dirty="0"/>
+              <a:pPr/>
               <a:t>‹#›</a:t>
             </a:fld>
             <a:endParaRPr lang="en-US" dirty="0"/>
@@ -7129,7 +7161,7 @@
             <a:alphaModFix amt="10000"/>
             <a:extLst>
               <a:ext uri="{28A0092B-C50C-407E-A947-70E740481C1C}">
-                <a14:useLocalDpi xmlns:a14="http://schemas.microsoft.com/office/drawing/2010/main" val="0"/>
+                <a14:useLocalDpi xmlns:a14="http://schemas.microsoft.com/office/drawing/2010/main" xmlns="" val="0"/>
               </a:ext>
             </a:extLst>
           </a:blip>
@@ -7277,6 +7309,7 @@
           <a:p>
             <a:fld id="{C7004436-CA73-4D53-89B4-2A5C7347BF2F}" type="datetimeFigureOut">
               <a:rPr lang="en-US" dirty="0"/>
+              <a:pPr/>
               <a:t>5/2/2017</a:t>
             </a:fld>
             <a:endParaRPr lang="en-US" dirty="0"/>
@@ -7775,33 +7808,53 @@
           <a:p>
             <a:r>
               <a:rPr lang="en-US" dirty="0" smtClean="0"/>
-              <a:t>Fabian C.</a:t>
-            </a:r>
+              <a:t>Fabian </a:t>
+            </a:r>
+            <a:r>
+              <a:rPr lang="en-US" dirty="0" err="1" smtClean="0"/>
+              <a:t>Vilca</a:t>
+            </a:r>
+            <a:endParaRPr lang="en-US" dirty="0" smtClean="0"/>
           </a:p>
           <a:p>
             <a:r>
               <a:rPr lang="en-US" dirty="0" smtClean="0"/>
-              <a:t>Aaron B.</a:t>
-            </a:r>
-          </a:p>
-          <a:p>
+              <a:t>Aaron </a:t>
+            </a:r>
             <a:r>
               <a:rPr lang="en-US" dirty="0" smtClean="0"/>
-              <a:t>Austin B.</a:t>
-            </a:r>
+              <a:t>Broughton</a:t>
+            </a:r>
+            <a:endParaRPr lang="en-US" dirty="0" smtClean="0"/>
           </a:p>
           <a:p>
             <a:r>
               <a:rPr lang="en-US" dirty="0" smtClean="0"/>
-              <a:t>Roberto M.</a:t>
-            </a:r>
+              <a:t>Austin </a:t>
+            </a:r>
+            <a:r>
+              <a:rPr lang="en-US" dirty="0" smtClean="0"/>
+              <a:t>Brown</a:t>
+            </a:r>
+            <a:endParaRPr lang="en-US" dirty="0" smtClean="0"/>
+          </a:p>
+          <a:p>
+            <a:r>
+              <a:rPr lang="en-US" dirty="0" smtClean="0"/>
+              <a:t>Roberto </a:t>
+            </a:r>
+            <a:r>
+              <a:rPr lang="en-US" dirty="0" smtClean="0"/>
+              <a:t>Morales</a:t>
+            </a:r>
+            <a:endParaRPr lang="en-US" dirty="0" smtClean="0"/>
           </a:p>
         </p:txBody>
       </p:sp>
     </p:spTree>
     <p:extLst>
       <p:ext uri="{BB962C8B-B14F-4D97-AF65-F5344CB8AC3E}">
-        <p14:creationId xmlns:p14="http://schemas.microsoft.com/office/powerpoint/2010/main" val="1588358959"/>
+        <p14:creationId xmlns:p14="http://schemas.microsoft.com/office/powerpoint/2010/main" xmlns="" val="1588358959"/>
       </p:ext>
     </p:extLst>
   </p:cSld>
@@ -7928,7 +7981,7 @@
     </p:spTree>
     <p:extLst>
       <p:ext uri="{BB962C8B-B14F-4D97-AF65-F5344CB8AC3E}">
-        <p14:creationId xmlns:p14="http://schemas.microsoft.com/office/powerpoint/2010/main" val="312784817"/>
+        <p14:creationId xmlns:p14="http://schemas.microsoft.com/office/powerpoint/2010/main" xmlns="" val="312784817"/>
       </p:ext>
     </p:extLst>
   </p:cSld>
@@ -7979,11 +8032,7 @@
           <a:p>
             <a:r>
               <a:rPr lang="en-US" dirty="0" smtClean="0"/>
-              <a:t>What </a:t>
-            </a:r>
-            <a:r>
-              <a:rPr lang="en-US" dirty="0" smtClean="0"/>
-              <a:t>Labs We Used</a:t>
+              <a:t>What Labs We Used</a:t>
             </a:r>
             <a:endParaRPr lang="en-US" dirty="0"/>
           </a:p>
@@ -8033,7 +8082,7 @@
     </p:spTree>
     <p:extLst>
       <p:ext uri="{BB962C8B-B14F-4D97-AF65-F5344CB8AC3E}">
-        <p14:creationId xmlns:p14="http://schemas.microsoft.com/office/powerpoint/2010/main" val="1722489012"/>
+        <p14:creationId xmlns:p14="http://schemas.microsoft.com/office/powerpoint/2010/main" xmlns="" val="1722489012"/>
       </p:ext>
     </p:extLst>
   </p:cSld>
@@ -8084,11 +8133,7 @@
           <a:p>
             <a:r>
               <a:rPr lang="en-US" dirty="0" smtClean="0"/>
-              <a:t>What </a:t>
-            </a:r>
-            <a:r>
-              <a:rPr lang="en-US" dirty="0" smtClean="0"/>
-              <a:t>Was </a:t>
+              <a:t>What Was </a:t>
             </a:r>
             <a:r>
               <a:rPr lang="en-US" dirty="0"/>
@@ -8134,7 +8179,7 @@
     </p:spTree>
     <p:extLst>
       <p:ext uri="{BB962C8B-B14F-4D97-AF65-F5344CB8AC3E}">
-        <p14:creationId xmlns:p14="http://schemas.microsoft.com/office/powerpoint/2010/main" val="1849082469"/>
+        <p14:creationId xmlns:p14="http://schemas.microsoft.com/office/powerpoint/2010/main" xmlns="" val="1849082469"/>
       </p:ext>
     </p:extLst>
   </p:cSld>
@@ -8185,11 +8230,7 @@
           <a:p>
             <a:r>
               <a:rPr lang="en-US" smtClean="0"/>
-              <a:t>What </a:t>
-            </a:r>
-            <a:r>
-              <a:rPr lang="en-US" smtClean="0"/>
-              <a:t>Was </a:t>
+              <a:t>What Was </a:t>
             </a:r>
             <a:r>
               <a:rPr lang="en-US" dirty="0"/>
@@ -8249,7 +8290,7 @@
     </p:spTree>
     <p:extLst>
       <p:ext uri="{BB962C8B-B14F-4D97-AF65-F5344CB8AC3E}">
-        <p14:creationId xmlns:p14="http://schemas.microsoft.com/office/powerpoint/2010/main" val="190672580"/>
+        <p14:creationId xmlns:p14="http://schemas.microsoft.com/office/powerpoint/2010/main" xmlns="" val="190672580"/>
       </p:ext>
     </p:extLst>
   </p:cSld>
@@ -8290,7 +8331,7 @@
             <a:spLocks noGrp="1"/>
           </p:cNvSpPr>
           <p:nvPr>
-            <p:ph type="title"/>
+            <p:ph type="ctrTitle"/>
           </p:nvPr>
         </p:nvSpPr>
         <p:spPr/>
@@ -8300,20 +8341,20 @@
           <a:p>
             <a:r>
               <a:rPr lang="en-US" dirty="0" smtClean="0"/>
-              <a:t>Demo</a:t>
-            </a:r>
-            <a:endParaRPr lang="en-US" dirty="0"/>
-          </a:p>
-        </p:txBody>
-      </p:sp>
-      <p:sp>
-        <p:nvSpPr>
-          <p:cNvPr id="3" name="Content Placeholder 2"/>
-          <p:cNvSpPr>
-            <a:spLocks noGrp="1"/>
-          </p:cNvSpPr>
-          <p:nvPr>
-            <p:ph idx="1"/>
+              <a:t>THANK YOU</a:t>
+            </a:r>
+            <a:endParaRPr lang="en-US" dirty="0"/>
+          </a:p>
+        </p:txBody>
+      </p:sp>
+      <p:sp>
+        <p:nvSpPr>
+          <p:cNvPr id="3" name="Subtitle 2"/>
+          <p:cNvSpPr>
+            <a:spLocks noGrp="1"/>
+          </p:cNvSpPr>
+          <p:nvPr>
+            <p:ph type="subTitle" idx="1"/>
           </p:nvPr>
         </p:nvSpPr>
         <p:spPr/>
@@ -8321,93 +8362,14 @@
           <a:bodyPr/>
           <a:lstStyle/>
           <a:p>
-            <a:endParaRPr lang="en-US" dirty="0"/>
+            <a:endParaRPr lang="en-US"/>
           </a:p>
         </p:txBody>
       </p:sp>
     </p:spTree>
     <p:extLst>
       <p:ext uri="{BB962C8B-B14F-4D97-AF65-F5344CB8AC3E}">
-        <p14:creationId xmlns:p14="http://schemas.microsoft.com/office/powerpoint/2010/main" val="3875577987"/>
-      </p:ext>
-    </p:extLst>
-  </p:cSld>
-  <p:clrMapOvr>
-    <a:masterClrMapping/>
-  </p:clrMapOvr>
-  <p:timing>
-    <p:tnLst>
-      <p:par>
-        <p:cTn id="1" dur="indefinite" restart="never" nodeType="tmRoot"/>
-      </p:par>
-    </p:tnLst>
-  </p:timing>
-</p:sld>
-</file>
-
-<file path=ppt/slides/slide7.xml><?xml version="1.0" encoding="utf-8"?>
-<p:sld xmlns:a="http://schemas.openxmlformats.org/drawingml/2006/main" xmlns:r="http://schemas.openxmlformats.org/officeDocument/2006/relationships" xmlns:p="http://schemas.openxmlformats.org/presentationml/2006/main">
-  <p:cSld>
-    <p:spTree>
-      <p:nvGrpSpPr>
-        <p:cNvPr id="1" name=""/>
-        <p:cNvGrpSpPr/>
-        <p:nvPr/>
-      </p:nvGrpSpPr>
-      <p:grpSpPr>
-        <a:xfrm>
-          <a:off x="0" y="0"/>
-          <a:ext cx="0" cy="0"/>
-          <a:chOff x="0" y="0"/>
-          <a:chExt cx="0" cy="0"/>
-        </a:xfrm>
-      </p:grpSpPr>
-      <p:sp>
-        <p:nvSpPr>
-          <p:cNvPr id="2" name="Title 1"/>
-          <p:cNvSpPr>
-            <a:spLocks noGrp="1"/>
-          </p:cNvSpPr>
-          <p:nvPr>
-            <p:ph type="ctrTitle"/>
-          </p:nvPr>
-        </p:nvSpPr>
-        <p:spPr/>
-        <p:txBody>
-          <a:bodyPr/>
-          <a:lstStyle/>
-          <a:p>
-            <a:r>
-              <a:rPr lang="en-US" dirty="0" smtClean="0"/>
-              <a:t>THANK YOU</a:t>
-            </a:r>
-            <a:endParaRPr lang="en-US" dirty="0"/>
-          </a:p>
-        </p:txBody>
-      </p:sp>
-      <p:sp>
-        <p:nvSpPr>
-          <p:cNvPr id="3" name="Subtitle 2"/>
-          <p:cNvSpPr>
-            <a:spLocks noGrp="1"/>
-          </p:cNvSpPr>
-          <p:nvPr>
-            <p:ph type="subTitle" idx="1"/>
-          </p:nvPr>
-        </p:nvSpPr>
-        <p:spPr/>
-        <p:txBody>
-          <a:bodyPr/>
-          <a:lstStyle/>
-          <a:p>
-            <a:endParaRPr lang="en-US"/>
-          </a:p>
-        </p:txBody>
-      </p:sp>
-    </p:spTree>
-    <p:extLst>
-      <p:ext uri="{BB962C8B-B14F-4D97-AF65-F5344CB8AC3E}">
-        <p14:creationId xmlns:p14="http://schemas.microsoft.com/office/powerpoint/2010/main" val="3094857317"/>
+        <p14:creationId xmlns:p14="http://schemas.microsoft.com/office/powerpoint/2010/main" xmlns="" val="3094857317"/>
       </p:ext>
     </p:extLst>
   </p:cSld>
@@ -8467,7 +8429,7 @@
     </a:clrScheme>
     <a:fontScheme name="Berlin">
       <a:majorFont>
-        <a:latin typeface="Trebuchet MS" panose="020B0603020202020204"/>
+        <a:latin typeface="Trebuchet MS"/>
         <a:ea typeface=""/>
         <a:cs typeface=""/>
         <a:font script="Jpan" typeface="ＭＳ Ｐゴシック"/>
@@ -8502,7 +8464,7 @@
         <a:font script="Geor" typeface="Sylfaen"/>
       </a:majorFont>
       <a:minorFont>
-        <a:latin typeface="Trebuchet MS" panose="020B0603020202020204"/>
+        <a:latin typeface="Trebuchet MS"/>
         <a:ea typeface=""/>
         <a:cs typeface=""/>
         <a:font script="Jpan" typeface="ＭＳ Ｐゴシック"/>
@@ -8672,7 +8634,7 @@
   <a:extraClrSchemeLst/>
   <a:extLst>
     <a:ext uri="{05A4C25C-085E-4340-85A3-A5531E510DB2}">
-      <thm15:themeFamily xmlns:thm15="http://schemas.microsoft.com/office/thememl/2012/main" name="Berlin" id="{7B5DBA9E-B069-418E-9360-A61BDD0615A4}" vid="{B587E4A9-1405-4B4F-8BC3-512EE08D2EBF}"/>
+      <thm15:themeFamily xmlns:thm15="http://schemas.microsoft.com/office/thememl/2012/main" xmlns="" name="Berlin" id="{7B5DBA9E-B069-418E-9360-A61BDD0615A4}" vid="{B587E4A9-1405-4B4F-8BC3-512EE08D2EBF}"/>
     </a:ext>
   </a:extLst>
 </a:theme>

--- a/Documentation/FAAR.pptx
+++ b/Documentation/FAAR.pptx
@@ -111,7 +111,7 @@
   </p:defaultTextStyle>
   <p:extLst>
     <p:ext uri="{EFAFB233-063F-42B5-8137-9DF3F51BA10A}">
-      <p15:sldGuideLst xmlns:p15="http://schemas.microsoft.com/office/powerpoint/2012/main" xmlns=""/>
+      <p15:sldGuideLst xmlns="" xmlns:p15="http://schemas.microsoft.com/office/powerpoint/2012/main"/>
     </p:ext>
   </p:extLst>
 </p:presentation>
@@ -146,7 +146,7 @@
           <a:blip r:embed="rId2">
             <a:extLst>
               <a:ext uri="{28A0092B-C50C-407E-A947-70E740481C1C}">
-                <a14:useLocalDpi xmlns:a14="http://schemas.microsoft.com/office/drawing/2010/main" xmlns="" val="0"/>
+                <a14:useLocalDpi xmlns="" xmlns:a14="http://schemas.microsoft.com/office/drawing/2010/main" val="0"/>
               </a:ext>
             </a:extLst>
           </a:blip>
@@ -176,7 +176,7 @@
           <a:blip r:embed="rId3">
             <a:extLst>
               <a:ext uri="{28A0092B-C50C-407E-A947-70E740481C1C}">
-                <a14:useLocalDpi xmlns:a14="http://schemas.microsoft.com/office/drawing/2010/main" xmlns="" val="0"/>
+                <a14:useLocalDpi xmlns="" xmlns:a14="http://schemas.microsoft.com/office/drawing/2010/main" val="0"/>
               </a:ext>
             </a:extLst>
           </a:blip>
@@ -483,7 +483,7 @@
           <a:blip r:embed="rId2">
             <a:extLst>
               <a:ext uri="{28A0092B-C50C-407E-A947-70E740481C1C}">
-                <a14:useLocalDpi xmlns:a14="http://schemas.microsoft.com/office/drawing/2010/main" xmlns="" val="0"/>
+                <a14:useLocalDpi xmlns="" xmlns:a14="http://schemas.microsoft.com/office/drawing/2010/main" val="0"/>
               </a:ext>
             </a:extLst>
           </a:blip>
@@ -513,7 +513,7 @@
           <a:blip r:embed="rId3">
             <a:extLst>
               <a:ext uri="{28A0092B-C50C-407E-A947-70E740481C1C}">
-                <a14:useLocalDpi xmlns:a14="http://schemas.microsoft.com/office/drawing/2010/main" xmlns="" val="0"/>
+                <a14:useLocalDpi xmlns="" xmlns:a14="http://schemas.microsoft.com/office/drawing/2010/main" val="0"/>
               </a:ext>
             </a:extLst>
           </a:blip>
@@ -894,7 +894,7 @@
           <a:blip r:embed="rId2">
             <a:extLst>
               <a:ext uri="{28A0092B-C50C-407E-A947-70E740481C1C}">
-                <a14:useLocalDpi xmlns:a14="http://schemas.microsoft.com/office/drawing/2010/main" xmlns="" val="0"/>
+                <a14:useLocalDpi xmlns="" xmlns:a14="http://schemas.microsoft.com/office/drawing/2010/main" val="0"/>
               </a:ext>
             </a:extLst>
           </a:blip>
@@ -924,7 +924,7 @@
           <a:blip r:embed="rId3">
             <a:extLst>
               <a:ext uri="{28A0092B-C50C-407E-A947-70E740481C1C}">
-                <a14:useLocalDpi xmlns:a14="http://schemas.microsoft.com/office/drawing/2010/main" xmlns="" val="0"/>
+                <a14:useLocalDpi xmlns="" xmlns:a14="http://schemas.microsoft.com/office/drawing/2010/main" val="0"/>
               </a:ext>
             </a:extLst>
           </a:blip>
@@ -1227,7 +1227,7 @@
           <a:blip r:embed="rId2">
             <a:extLst>
               <a:ext uri="{28A0092B-C50C-407E-A947-70E740481C1C}">
-                <a14:useLocalDpi xmlns:a14="http://schemas.microsoft.com/office/drawing/2010/main" xmlns="" val="0"/>
+                <a14:useLocalDpi xmlns="" xmlns:a14="http://schemas.microsoft.com/office/drawing/2010/main" val="0"/>
               </a:ext>
             </a:extLst>
           </a:blip>
@@ -1257,7 +1257,7 @@
           <a:blip r:embed="rId3">
             <a:extLst>
               <a:ext uri="{28A0092B-C50C-407E-A947-70E740481C1C}">
-                <a14:useLocalDpi xmlns:a14="http://schemas.microsoft.com/office/drawing/2010/main" xmlns="" val="0"/>
+                <a14:useLocalDpi xmlns="" xmlns:a14="http://schemas.microsoft.com/office/drawing/2010/main" val="0"/>
               </a:ext>
             </a:extLst>
           </a:blip>
@@ -1861,7 +1861,7 @@
           <a:blip r:embed="rId2">
             <a:extLst>
               <a:ext uri="{28A0092B-C50C-407E-A947-70E740481C1C}">
-                <a14:useLocalDpi xmlns:a14="http://schemas.microsoft.com/office/drawing/2010/main" xmlns="" val="0"/>
+                <a14:useLocalDpi xmlns="" xmlns:a14="http://schemas.microsoft.com/office/drawing/2010/main" val="0"/>
               </a:ext>
             </a:extLst>
           </a:blip>
@@ -1891,7 +1891,7 @@
           <a:blip r:embed="rId3">
             <a:extLst>
               <a:ext uri="{28A0092B-C50C-407E-A947-70E740481C1C}">
-                <a14:useLocalDpi xmlns:a14="http://schemas.microsoft.com/office/drawing/2010/main" xmlns="" val="0"/>
+                <a14:useLocalDpi xmlns="" xmlns:a14="http://schemas.microsoft.com/office/drawing/2010/main" val="0"/>
               </a:ext>
             </a:extLst>
           </a:blip>
@@ -2194,7 +2194,7 @@
           <a:blip r:embed="rId2">
             <a:extLst>
               <a:ext uri="{28A0092B-C50C-407E-A947-70E740481C1C}">
-                <a14:useLocalDpi xmlns:a14="http://schemas.microsoft.com/office/drawing/2010/main" xmlns="" val="0"/>
+                <a14:useLocalDpi xmlns="" xmlns:a14="http://schemas.microsoft.com/office/drawing/2010/main" val="0"/>
               </a:ext>
             </a:extLst>
           </a:blip>
@@ -2224,7 +2224,7 @@
           <a:blip r:embed="rId3">
             <a:extLst>
               <a:ext uri="{28A0092B-C50C-407E-A947-70E740481C1C}">
-                <a14:useLocalDpi xmlns:a14="http://schemas.microsoft.com/office/drawing/2010/main" xmlns="" val="0"/>
+                <a14:useLocalDpi xmlns="" xmlns:a14="http://schemas.microsoft.com/office/drawing/2010/main" val="0"/>
               </a:ext>
             </a:extLst>
           </a:blip>
@@ -2867,7 +2867,7 @@
           <a:blip r:embed="rId2">
             <a:extLst>
               <a:ext uri="{28A0092B-C50C-407E-A947-70E740481C1C}">
-                <a14:useLocalDpi xmlns:a14="http://schemas.microsoft.com/office/drawing/2010/main" xmlns="" val="0"/>
+                <a14:useLocalDpi xmlns="" xmlns:a14="http://schemas.microsoft.com/office/drawing/2010/main" val="0"/>
               </a:ext>
             </a:extLst>
           </a:blip>
@@ -2897,7 +2897,7 @@
           <a:blip r:embed="rId3">
             <a:extLst>
               <a:ext uri="{28A0092B-C50C-407E-A947-70E740481C1C}">
-                <a14:useLocalDpi xmlns:a14="http://schemas.microsoft.com/office/drawing/2010/main" xmlns="" val="0"/>
+                <a14:useLocalDpi xmlns="" xmlns:a14="http://schemas.microsoft.com/office/drawing/2010/main" val="0"/>
               </a:ext>
             </a:extLst>
           </a:blip>
@@ -3777,7 +3777,7 @@
           <a:blip r:embed="rId2">
             <a:extLst>
               <a:ext uri="{28A0092B-C50C-407E-A947-70E740481C1C}">
-                <a14:useLocalDpi xmlns:a14="http://schemas.microsoft.com/office/drawing/2010/main" xmlns="" val="0"/>
+                <a14:useLocalDpi xmlns="" xmlns:a14="http://schemas.microsoft.com/office/drawing/2010/main" val="0"/>
               </a:ext>
             </a:extLst>
           </a:blip>
@@ -3807,7 +3807,7 @@
           <a:blip r:embed="rId3">
             <a:extLst>
               <a:ext uri="{28A0092B-C50C-407E-A947-70E740481C1C}">
-                <a14:useLocalDpi xmlns:a14="http://schemas.microsoft.com/office/drawing/2010/main" xmlns="" val="0"/>
+                <a14:useLocalDpi xmlns="" xmlns:a14="http://schemas.microsoft.com/office/drawing/2010/main" val="0"/>
               </a:ext>
             </a:extLst>
           </a:blip>
@@ -4362,7 +4362,7 @@
           <a:blip r:embed="rId2">
             <a:extLst>
               <a:ext uri="{28A0092B-C50C-407E-A947-70E740481C1C}">
-                <a14:useLocalDpi xmlns:a14="http://schemas.microsoft.com/office/drawing/2010/main" xmlns="" val="0"/>
+                <a14:useLocalDpi xmlns="" xmlns:a14="http://schemas.microsoft.com/office/drawing/2010/main" val="0"/>
               </a:ext>
             </a:extLst>
           </a:blip>
@@ -4392,7 +4392,7 @@
           <a:blip r:embed="rId3">
             <a:extLst>
               <a:ext uri="{28A0092B-C50C-407E-A947-70E740481C1C}">
-                <a14:useLocalDpi xmlns:a14="http://schemas.microsoft.com/office/drawing/2010/main" xmlns="" val="0"/>
+                <a14:useLocalDpi xmlns="" xmlns:a14="http://schemas.microsoft.com/office/drawing/2010/main" val="0"/>
               </a:ext>
             </a:extLst>
           </a:blip>
@@ -4686,7 +4686,7 @@
           <a:blip r:embed="rId2">
             <a:extLst>
               <a:ext uri="{28A0092B-C50C-407E-A947-70E740481C1C}">
-                <a14:useLocalDpi xmlns:a14="http://schemas.microsoft.com/office/drawing/2010/main" xmlns="" val="0"/>
+                <a14:useLocalDpi xmlns="" xmlns:a14="http://schemas.microsoft.com/office/drawing/2010/main" val="0"/>
               </a:ext>
             </a:extLst>
           </a:blip>
@@ -4716,7 +4716,7 @@
           <a:blip r:embed="rId3">
             <a:extLst>
               <a:ext uri="{28A0092B-C50C-407E-A947-70E740481C1C}">
-                <a14:useLocalDpi xmlns:a14="http://schemas.microsoft.com/office/drawing/2010/main" xmlns="" val="0"/>
+                <a14:useLocalDpi xmlns="" xmlns:a14="http://schemas.microsoft.com/office/drawing/2010/main" val="0"/>
               </a:ext>
             </a:extLst>
           </a:blip>
@@ -5077,7 +5077,7 @@
           <a:blip r:embed="rId2">
             <a:extLst>
               <a:ext uri="{28A0092B-C50C-407E-A947-70E740481C1C}">
-                <a14:useLocalDpi xmlns:a14="http://schemas.microsoft.com/office/drawing/2010/main" xmlns="" val="0"/>
+                <a14:useLocalDpi xmlns="" xmlns:a14="http://schemas.microsoft.com/office/drawing/2010/main" val="0"/>
               </a:ext>
             </a:extLst>
           </a:blip>
@@ -5107,7 +5107,7 @@
           <a:blip r:embed="rId3">
             <a:extLst>
               <a:ext uri="{28A0092B-C50C-407E-A947-70E740481C1C}">
-                <a14:useLocalDpi xmlns:a14="http://schemas.microsoft.com/office/drawing/2010/main" xmlns="" val="0"/>
+                <a14:useLocalDpi xmlns="" xmlns:a14="http://schemas.microsoft.com/office/drawing/2010/main" val="0"/>
               </a:ext>
             </a:extLst>
           </a:blip>
@@ -5445,7 +5445,7 @@
           <a:blip r:embed="rId2">
             <a:extLst>
               <a:ext uri="{28A0092B-C50C-407E-A947-70E740481C1C}">
-                <a14:useLocalDpi xmlns:a14="http://schemas.microsoft.com/office/drawing/2010/main" xmlns="" val="0"/>
+                <a14:useLocalDpi xmlns="" xmlns:a14="http://schemas.microsoft.com/office/drawing/2010/main" val="0"/>
               </a:ext>
             </a:extLst>
           </a:blip>
@@ -5475,7 +5475,7 @@
           <a:blip r:embed="rId3">
             <a:extLst>
               <a:ext uri="{28A0092B-C50C-407E-A947-70E740481C1C}">
-                <a14:useLocalDpi xmlns:a14="http://schemas.microsoft.com/office/drawing/2010/main" xmlns="" val="0"/>
+                <a14:useLocalDpi xmlns="" xmlns:a14="http://schemas.microsoft.com/office/drawing/2010/main" val="0"/>
               </a:ext>
             </a:extLst>
           </a:blip>
@@ -5948,7 +5948,7 @@
           <a:blip r:embed="rId2">
             <a:extLst>
               <a:ext uri="{28A0092B-C50C-407E-A947-70E740481C1C}">
-                <a14:useLocalDpi xmlns:a14="http://schemas.microsoft.com/office/drawing/2010/main" xmlns="" val="0"/>
+                <a14:useLocalDpi xmlns="" xmlns:a14="http://schemas.microsoft.com/office/drawing/2010/main" val="0"/>
               </a:ext>
             </a:extLst>
           </a:blip>
@@ -5978,7 +5978,7 @@
           <a:blip r:embed="rId3">
             <a:extLst>
               <a:ext uri="{28A0092B-C50C-407E-A947-70E740481C1C}">
-                <a14:useLocalDpi xmlns:a14="http://schemas.microsoft.com/office/drawing/2010/main" xmlns="" val="0"/>
+                <a14:useLocalDpi xmlns="" xmlns:a14="http://schemas.microsoft.com/office/drawing/2010/main" val="0"/>
               </a:ext>
             </a:extLst>
           </a:blip>
@@ -6202,7 +6202,7 @@
           <a:blip r:embed="rId2">
             <a:extLst>
               <a:ext uri="{28A0092B-C50C-407E-A947-70E740481C1C}">
-                <a14:useLocalDpi xmlns:a14="http://schemas.microsoft.com/office/drawing/2010/main" xmlns="" val="0"/>
+                <a14:useLocalDpi xmlns="" xmlns:a14="http://schemas.microsoft.com/office/drawing/2010/main" val="0"/>
               </a:ext>
             </a:extLst>
           </a:blip>
@@ -6362,7 +6362,7 @@
           <a:blip r:embed="rId2">
             <a:extLst>
               <a:ext uri="{28A0092B-C50C-407E-A947-70E740481C1C}">
-                <a14:useLocalDpi xmlns:a14="http://schemas.microsoft.com/office/drawing/2010/main" xmlns="" val="0"/>
+                <a14:useLocalDpi xmlns="" xmlns:a14="http://schemas.microsoft.com/office/drawing/2010/main" val="0"/>
               </a:ext>
             </a:extLst>
           </a:blip>
@@ -6392,7 +6392,7 @@
           <a:blip r:embed="rId3">
             <a:extLst>
               <a:ext uri="{28A0092B-C50C-407E-A947-70E740481C1C}">
-                <a14:useLocalDpi xmlns:a14="http://schemas.microsoft.com/office/drawing/2010/main" xmlns="" val="0"/>
+                <a14:useLocalDpi xmlns="" xmlns:a14="http://schemas.microsoft.com/office/drawing/2010/main" val="0"/>
               </a:ext>
             </a:extLst>
           </a:blip>
@@ -6749,7 +6749,7 @@
           <a:blip r:embed="rId2">
             <a:extLst>
               <a:ext uri="{28A0092B-C50C-407E-A947-70E740481C1C}">
-                <a14:useLocalDpi xmlns:a14="http://schemas.microsoft.com/office/drawing/2010/main" xmlns="" val="0"/>
+                <a14:useLocalDpi xmlns="" xmlns:a14="http://schemas.microsoft.com/office/drawing/2010/main" val="0"/>
               </a:ext>
             </a:extLst>
           </a:blip>
@@ -6779,7 +6779,7 @@
           <a:blip r:embed="rId3">
             <a:extLst>
               <a:ext uri="{28A0092B-C50C-407E-A947-70E740481C1C}">
-                <a14:useLocalDpi xmlns:a14="http://schemas.microsoft.com/office/drawing/2010/main" xmlns="" val="0"/>
+                <a14:useLocalDpi xmlns="" xmlns:a14="http://schemas.microsoft.com/office/drawing/2010/main" val="0"/>
               </a:ext>
             </a:extLst>
           </a:blip>
@@ -7161,7 +7161,7 @@
             <a:alphaModFix amt="10000"/>
             <a:extLst>
               <a:ext uri="{28A0092B-C50C-407E-A947-70E740481C1C}">
-                <a14:useLocalDpi xmlns:a14="http://schemas.microsoft.com/office/drawing/2010/main" xmlns="" val="0"/>
+                <a14:useLocalDpi xmlns="" xmlns:a14="http://schemas.microsoft.com/office/drawing/2010/main" val="0"/>
               </a:ext>
             </a:extLst>
           </a:blip>
@@ -7819,42 +7819,27 @@
           <a:p>
             <a:r>
               <a:rPr lang="en-US" dirty="0" smtClean="0"/>
-              <a:t>Aaron </a:t>
-            </a:r>
+              <a:t>Aaron Broughton</a:t>
+            </a:r>
+          </a:p>
+          <a:p>
             <a:r>
               <a:rPr lang="en-US" dirty="0" smtClean="0"/>
-              <a:t>Broughton</a:t>
-            </a:r>
-            <a:endParaRPr lang="en-US" dirty="0" smtClean="0"/>
+              <a:t>Austin Brown</a:t>
+            </a:r>
           </a:p>
           <a:p>
             <a:r>
               <a:rPr lang="en-US" dirty="0" smtClean="0"/>
-              <a:t>Austin </a:t>
-            </a:r>
-            <a:r>
-              <a:rPr lang="en-US" dirty="0" smtClean="0"/>
-              <a:t>Brown</a:t>
-            </a:r>
-            <a:endParaRPr lang="en-US" dirty="0" smtClean="0"/>
-          </a:p>
-          <a:p>
-            <a:r>
-              <a:rPr lang="en-US" dirty="0" smtClean="0"/>
-              <a:t>Roberto </a:t>
-            </a:r>
-            <a:r>
-              <a:rPr lang="en-US" dirty="0" smtClean="0"/>
-              <a:t>Morales</a:t>
-            </a:r>
-            <a:endParaRPr lang="en-US" dirty="0" smtClean="0"/>
+              <a:t>Roberto Morales</a:t>
+            </a:r>
           </a:p>
         </p:txBody>
       </p:sp>
     </p:spTree>
     <p:extLst>
       <p:ext uri="{BB962C8B-B14F-4D97-AF65-F5344CB8AC3E}">
-        <p14:creationId xmlns:p14="http://schemas.microsoft.com/office/powerpoint/2010/main" xmlns="" val="1588358959"/>
+        <p14:creationId xmlns="" xmlns:p14="http://schemas.microsoft.com/office/powerpoint/2010/main" val="1588358959"/>
       </p:ext>
     </p:extLst>
   </p:cSld>
@@ -7981,7 +7966,7 @@
     </p:spTree>
     <p:extLst>
       <p:ext uri="{BB962C8B-B14F-4D97-AF65-F5344CB8AC3E}">
-        <p14:creationId xmlns:p14="http://schemas.microsoft.com/office/powerpoint/2010/main" xmlns="" val="312784817"/>
+        <p14:creationId xmlns="" xmlns:p14="http://schemas.microsoft.com/office/powerpoint/2010/main" val="312784817"/>
       </p:ext>
     </p:extLst>
   </p:cSld>
@@ -8055,19 +8040,25 @@
           <a:p>
             <a:r>
               <a:rPr lang="en-US" dirty="0" smtClean="0"/>
-              <a:t>Lab 3 – Client Server Communications</a:t>
-            </a:r>
-          </a:p>
-          <a:p>
+              <a:t>Lab </a:t>
+            </a:r>
             <a:r>
               <a:rPr lang="en-US" dirty="0" smtClean="0"/>
-              <a:t>Lab 4 – Database Communication</a:t>
-            </a:r>
-          </a:p>
-          <a:p>
+              <a:t>4 – Database Communication</a:t>
+            </a:r>
+          </a:p>
+          <a:p>
+            <a:r>
+              <a:rPr lang="en-US" smtClean="0"/>
+              <a:t>Lab </a:t>
+            </a:r>
+            <a:r>
+              <a:rPr lang="en-US" smtClean="0"/>
+              <a:t>7 </a:t>
+            </a:r>
             <a:r>
               <a:rPr lang="en-US" dirty="0" smtClean="0"/>
-              <a:t>Lab 7 - Cookies</a:t>
+              <a:t>- Cookies</a:t>
             </a:r>
           </a:p>
           <a:p>
@@ -8082,7 +8073,7 @@
     </p:spTree>
     <p:extLst>
       <p:ext uri="{BB962C8B-B14F-4D97-AF65-F5344CB8AC3E}">
-        <p14:creationId xmlns:p14="http://schemas.microsoft.com/office/powerpoint/2010/main" xmlns="" val="1722489012"/>
+        <p14:creationId xmlns="" xmlns:p14="http://schemas.microsoft.com/office/powerpoint/2010/main" val="1722489012"/>
       </p:ext>
     </p:extLst>
   </p:cSld>
@@ -8179,7 +8170,7 @@
     </p:spTree>
     <p:extLst>
       <p:ext uri="{BB962C8B-B14F-4D97-AF65-F5344CB8AC3E}">
-        <p14:creationId xmlns:p14="http://schemas.microsoft.com/office/powerpoint/2010/main" xmlns="" val="1849082469"/>
+        <p14:creationId xmlns="" xmlns:p14="http://schemas.microsoft.com/office/powerpoint/2010/main" val="1849082469"/>
       </p:ext>
     </p:extLst>
   </p:cSld>
@@ -8290,7 +8281,7 @@
     </p:spTree>
     <p:extLst>
       <p:ext uri="{BB962C8B-B14F-4D97-AF65-F5344CB8AC3E}">
-        <p14:creationId xmlns:p14="http://schemas.microsoft.com/office/powerpoint/2010/main" xmlns="" val="190672580"/>
+        <p14:creationId xmlns="" xmlns:p14="http://schemas.microsoft.com/office/powerpoint/2010/main" val="190672580"/>
       </p:ext>
     </p:extLst>
   </p:cSld>
@@ -8369,7 +8360,7 @@
     </p:spTree>
     <p:extLst>
       <p:ext uri="{BB962C8B-B14F-4D97-AF65-F5344CB8AC3E}">
-        <p14:creationId xmlns:p14="http://schemas.microsoft.com/office/powerpoint/2010/main" xmlns="" val="3094857317"/>
+        <p14:creationId xmlns="" xmlns:p14="http://schemas.microsoft.com/office/powerpoint/2010/main" val="3094857317"/>
       </p:ext>
     </p:extLst>
   </p:cSld>
@@ -8634,7 +8625,7 @@
   <a:extraClrSchemeLst/>
   <a:extLst>
     <a:ext uri="{05A4C25C-085E-4340-85A3-A5531E510DB2}">
-      <thm15:themeFamily xmlns:thm15="http://schemas.microsoft.com/office/thememl/2012/main" xmlns="" name="Berlin" id="{7B5DBA9E-B069-418E-9360-A61BDD0615A4}" vid="{B587E4A9-1405-4B4F-8BC3-512EE08D2EBF}"/>
+      <thm15:themeFamily xmlns="" xmlns:thm15="http://schemas.microsoft.com/office/thememl/2012/main" name="Berlin" id="{7B5DBA9E-B069-418E-9360-A61BDD0615A4}" vid="{B587E4A9-1405-4B4F-8BC3-512EE08D2EBF}"/>
     </a:ext>
   </a:extLst>
 </a:theme>
